--- a/networkStudy/2015-10-11-routing-ii-isis.pptx
+++ b/networkStudy/2015-10-11-routing-ii-isis.pptx
@@ -279,7 +279,7 @@
             <a:fld id="{E5A9A48A-A11C-4B88-B93C-F5E9836D71AA}" type="datetimeFigureOut">
               <a:rPr lang="th-TH"/>
               <a:pPr/>
-              <a:t>18/04/60</a:t>
+              <a:t>13/05/60</a:t>
             </a:fld>
             <a:endParaRPr lang="th-TH"/>
           </a:p>
@@ -289,7 +289,7 @@
         <p:nvSpPr>
           <p:cNvPr id="31748" name="Rectangle 4"/>
           <p:cNvSpPr>
-            <a:spLocks noRot="1" noChangeArrowheads="1" noTextEdit="1"/>
+            <a:spLocks noGrp="1" noRot="1" noChangeAspect="1" noChangeArrowheads="1" noTextEdit="1"/>
           </p:cNvSpPr>
           <p:nvPr>
             <p:ph type="sldImg" idx="2"/>
@@ -484,6 +484,11 @@
         </p:txBody>
       </p:sp>
     </p:spTree>
+    <p:extLst>
+      <p:ext uri="{BB962C8B-B14F-4D97-AF65-F5344CB8AC3E}">
+        <p14:creationId xmlns:p14="http://schemas.microsoft.com/office/powerpoint/2010/main" val="1410472147"/>
+      </p:ext>
+    </p:extLst>
   </p:cSld>
   <p:clrMap bg1="lt1" tx1="dk1" bg2="lt2" tx2="dk2" accent1="accent1" accent2="accent2" accent3="accent3" accent4="accent4" accent5="accent5" accent6="accent6" hlink="hlink" folHlink="folHlink"/>
   <p:notesStyle>
@@ -632,7 +637,7 @@
         <p:nvSpPr>
           <p:cNvPr id="32770" name="Rectangle 2"/>
           <p:cNvSpPr>
-            <a:spLocks noRot="1" noChangeArrowheads="1" noTextEdit="1"/>
+            <a:spLocks noGrp="1" noRot="1" noChangeAspect="1" noChangeArrowheads="1" noTextEdit="1"/>
           </p:cNvSpPr>
           <p:nvPr>
             <p:ph type="sldImg"/>
@@ -658,6 +663,206 @@
           <a:lstStyle/>
           <a:p>
             <a:endParaRPr lang="th-TH"/>
+          </a:p>
+        </p:txBody>
+      </p:sp>
+    </p:spTree>
+  </p:cSld>
+  <p:clrMapOvr>
+    <a:masterClrMapping/>
+  </p:clrMapOvr>
+</p:notes>
+</file>
+
+<file path=ppt/notesSlides/notesSlide10.xml><?xml version="1.0" encoding="utf-8"?>
+<p:notes xmlns:a="http://schemas.openxmlformats.org/drawingml/2006/main" xmlns:r="http://schemas.openxmlformats.org/officeDocument/2006/relationships" xmlns:p="http://schemas.openxmlformats.org/presentationml/2006/main">
+  <p:cSld>
+    <p:spTree>
+      <p:nvGrpSpPr>
+        <p:cNvPr id="1" name=""/>
+        <p:cNvGrpSpPr/>
+        <p:nvPr/>
+      </p:nvGrpSpPr>
+      <p:grpSpPr>
+        <a:xfrm>
+          <a:off x="0" y="0"/>
+          <a:ext cx="0" cy="0"/>
+          <a:chOff x="0" y="0"/>
+          <a:chExt cx="0" cy="0"/>
+        </a:xfrm>
+      </p:grpSpPr>
+      <p:sp>
+        <p:nvSpPr>
+          <p:cNvPr id="38914" name="Rectangle 2"/>
+          <p:cNvSpPr>
+            <a:spLocks noGrp="1" noRot="1" noChangeAspect="1" noChangeArrowheads="1" noTextEdit="1"/>
+          </p:cNvSpPr>
+          <p:nvPr>
+            <p:ph type="sldImg"/>
+          </p:nvPr>
+        </p:nvSpPr>
+        <p:spPr>
+          <a:ln/>
+        </p:spPr>
+      </p:sp>
+      <p:sp>
+        <p:nvSpPr>
+          <p:cNvPr id="38915" name="Rectangle 3"/>
+          <p:cNvSpPr>
+            <a:spLocks noGrp="1" noChangeArrowheads="1"/>
+          </p:cNvSpPr>
+          <p:nvPr>
+            <p:ph type="body" idx="1"/>
+          </p:nvPr>
+        </p:nvSpPr>
+        <p:spPr/>
+        <p:txBody>
+          <a:bodyPr/>
+          <a:lstStyle/>
+          <a:p>
+            <a:r>
+              <a:rPr lang="en-US"/>
+              <a:t>End system </a:t>
+            </a:r>
+            <a:r>
+              <a:rPr lang="th-TH"/>
+              <a:t>จะมีรูปแบบการคุยที่ต่างๆกันไป</a:t>
+            </a:r>
+          </a:p>
+        </p:txBody>
+      </p:sp>
+    </p:spTree>
+  </p:cSld>
+  <p:clrMapOvr>
+    <a:masterClrMapping/>
+  </p:clrMapOvr>
+</p:notes>
+</file>
+
+<file path=ppt/notesSlides/notesSlide11.xml><?xml version="1.0" encoding="utf-8"?>
+<p:notes xmlns:a="http://schemas.openxmlformats.org/drawingml/2006/main" xmlns:r="http://schemas.openxmlformats.org/officeDocument/2006/relationships" xmlns:p="http://schemas.openxmlformats.org/presentationml/2006/main">
+  <p:cSld>
+    <p:spTree>
+      <p:nvGrpSpPr>
+        <p:cNvPr id="1" name=""/>
+        <p:cNvGrpSpPr/>
+        <p:nvPr/>
+      </p:nvGrpSpPr>
+      <p:grpSpPr>
+        <a:xfrm>
+          <a:off x="0" y="0"/>
+          <a:ext cx="0" cy="0"/>
+          <a:chOff x="0" y="0"/>
+          <a:chExt cx="0" cy="0"/>
+        </a:xfrm>
+      </p:grpSpPr>
+      <p:sp>
+        <p:nvSpPr>
+          <p:cNvPr id="39938" name="Rectangle 2"/>
+          <p:cNvSpPr>
+            <a:spLocks noGrp="1" noRot="1" noChangeAspect="1" noChangeArrowheads="1" noTextEdit="1"/>
+          </p:cNvSpPr>
+          <p:nvPr>
+            <p:ph type="sldImg"/>
+          </p:nvPr>
+        </p:nvSpPr>
+        <p:spPr>
+          <a:ln/>
+        </p:spPr>
+      </p:sp>
+      <p:sp>
+        <p:nvSpPr>
+          <p:cNvPr id="39939" name="Rectangle 3"/>
+          <p:cNvSpPr>
+            <a:spLocks noGrp="1" noChangeArrowheads="1"/>
+          </p:cNvSpPr>
+          <p:nvPr>
+            <p:ph type="body" idx="1"/>
+          </p:nvPr>
+        </p:nvSpPr>
+        <p:spPr/>
+        <p:txBody>
+          <a:bodyPr/>
+          <a:lstStyle/>
+          <a:p>
+            <a:r>
+              <a:rPr lang="th-TH"/>
+              <a:t>พอขาดกะจะเชื่อมไปอีกอัน ถ้าไม่ได้รับก็ </a:t>
+            </a:r>
+            <a:r>
+              <a:rPr lang="en-US"/>
+              <a:t>resend</a:t>
+            </a:r>
+            <a:endParaRPr lang="th-TH"/>
+          </a:p>
+        </p:txBody>
+      </p:sp>
+    </p:spTree>
+  </p:cSld>
+  <p:clrMapOvr>
+    <a:masterClrMapping/>
+  </p:clrMapOvr>
+</p:notes>
+</file>
+
+<file path=ppt/notesSlides/notesSlide12.xml><?xml version="1.0" encoding="utf-8"?>
+<p:notes xmlns:a="http://schemas.openxmlformats.org/drawingml/2006/main" xmlns:r="http://schemas.openxmlformats.org/officeDocument/2006/relationships" xmlns:p="http://schemas.openxmlformats.org/presentationml/2006/main">
+  <p:cSld>
+    <p:spTree>
+      <p:nvGrpSpPr>
+        <p:cNvPr id="1" name=""/>
+        <p:cNvGrpSpPr/>
+        <p:nvPr/>
+      </p:nvGrpSpPr>
+      <p:grpSpPr>
+        <a:xfrm>
+          <a:off x="0" y="0"/>
+          <a:ext cx="0" cy="0"/>
+          <a:chOff x="0" y="0"/>
+          <a:chExt cx="0" cy="0"/>
+        </a:xfrm>
+      </p:grpSpPr>
+      <p:sp>
+        <p:nvSpPr>
+          <p:cNvPr id="40962" name="Rectangle 2"/>
+          <p:cNvSpPr>
+            <a:spLocks noGrp="1" noRot="1" noChangeAspect="1" noChangeArrowheads="1" noTextEdit="1"/>
+          </p:cNvSpPr>
+          <p:nvPr>
+            <p:ph type="sldImg"/>
+          </p:nvPr>
+        </p:nvSpPr>
+        <p:spPr>
+          <a:ln/>
+        </p:spPr>
+      </p:sp>
+      <p:sp>
+        <p:nvSpPr>
+          <p:cNvPr id="40963" name="Rectangle 3"/>
+          <p:cNvSpPr>
+            <a:spLocks noGrp="1" noChangeArrowheads="1"/>
+          </p:cNvSpPr>
+          <p:nvPr>
+            <p:ph type="body" idx="1"/>
+          </p:nvPr>
+        </p:nvSpPr>
+        <p:spPr/>
+        <p:txBody>
+          <a:bodyPr/>
+          <a:lstStyle/>
+          <a:p>
+            <a:r>
+              <a:rPr lang="th-TH"/>
+              <a:t>ช่วงนี้หลุดๆนะ ในข้อสอบให้มาแล้วให้เขียน</a:t>
+            </a:r>
+            <a:r>
+              <a:rPr lang="en-US"/>
+              <a:t> routing table </a:t>
+            </a:r>
+            <a:r>
+              <a:rPr lang="th-TH"/>
+              <a:t>หรือให้วาดรูป</a:t>
+            </a:r>
           </a:p>
         </p:txBody>
       </p:sp>
@@ -690,7 +895,7 @@
         <p:nvSpPr>
           <p:cNvPr id="33794" name="Rectangle 2"/>
           <p:cNvSpPr>
-            <a:spLocks noRot="1" noChangeArrowheads="1" noTextEdit="1"/>
+            <a:spLocks noGrp="1" noRot="1" noChangeAspect="1" noChangeArrowheads="1" noTextEdit="1"/>
           </p:cNvSpPr>
           <p:nvPr>
             <p:ph type="sldImg"/>
@@ -716,88 +921,96 @@
           <a:lstStyle/>
           <a:p>
             <a:r>
-              <a:rPr lang="en-US"/>
+              <a:rPr lang="en-US" dirty="0"/>
               <a:t>Level </a:t>
             </a:r>
             <a:r>
-              <a:rPr lang="th-TH"/>
-              <a:t>ต่างกัน คือคนระประเภท มีสามรูปแบบ ใน</a:t>
-            </a:r>
-            <a:r>
-              <a:rPr lang="en-US"/>
+              <a:rPr lang="th-TH" dirty="0"/>
+              <a:t>ต่างกัน คือ</a:t>
+            </a:r>
+            <a:r>
+              <a:rPr lang="th-TH" dirty="0" smtClean="0"/>
+              <a:t>คนละ</a:t>
+            </a:r>
+            <a:r>
+              <a:rPr lang="th-TH" dirty="0"/>
+              <a:t>ประเภท มีสามรูปแบบ ใน</a:t>
+            </a:r>
+            <a:r>
+              <a:rPr lang="en-US" dirty="0"/>
               <a:t> </a:t>
             </a:r>
             <a:r>
-              <a:rPr lang="th-TH"/>
+              <a:rPr lang="th-TH" dirty="0"/>
               <a:t>ไอซิสจะต้องทำตัวเป็น</a:t>
             </a:r>
             <a:r>
-              <a:rPr lang="en-US"/>
+              <a:rPr lang="en-US" dirty="0"/>
               <a:t>1in3</a:t>
             </a:r>
             <a:r>
-              <a:rPr lang="th-TH"/>
+              <a:rPr lang="th-TH" dirty="0"/>
               <a:t>นี้แหละ </a:t>
             </a:r>
           </a:p>
           <a:p>
             <a:r>
-              <a:rPr lang="en-US"/>
+              <a:rPr lang="en-US" dirty="0"/>
               <a:t>L1</a:t>
             </a:r>
             <a:r>
-              <a:rPr lang="th-TH"/>
+              <a:rPr lang="th-TH" dirty="0"/>
               <a:t>เป็น</a:t>
             </a:r>
             <a:r>
-              <a:rPr lang="en-US"/>
+              <a:rPr lang="en-US" dirty="0"/>
               <a:t>stub </a:t>
             </a:r>
             <a:r>
-              <a:rPr lang="th-TH"/>
+              <a:rPr lang="th-TH" dirty="0"/>
               <a:t>จะคุยกันกับ</a:t>
             </a:r>
             <a:r>
-              <a:rPr lang="en-US"/>
+              <a:rPr lang="en-US" dirty="0"/>
               <a:t> l1 </a:t>
             </a:r>
             <a:r>
-              <a:rPr lang="th-TH"/>
+              <a:rPr lang="th-TH" dirty="0"/>
               <a:t>เท่านั้น</a:t>
             </a:r>
           </a:p>
           <a:p>
             <a:r>
-              <a:rPr lang="en-US"/>
+              <a:rPr lang="en-US" dirty="0"/>
               <a:t>L2 </a:t>
             </a:r>
             <a:r>
-              <a:rPr lang="th-TH"/>
+              <a:rPr lang="th-TH" dirty="0"/>
               <a:t>เป็นเหมือนกับ</a:t>
             </a:r>
             <a:r>
-              <a:rPr lang="en-US"/>
+              <a:rPr lang="en-US" dirty="0"/>
               <a:t>router</a:t>
             </a:r>
             <a:r>
-              <a:rPr lang="th-TH"/>
+              <a:rPr lang="th-TH" dirty="0"/>
               <a:t>ที่ไว้ต้อข้าม </a:t>
             </a:r>
             <a:r>
-              <a:rPr lang="en-US"/>
+              <a:rPr lang="en-US" dirty="0"/>
               <a:t>area</a:t>
             </a:r>
             <a:r>
-              <a:rPr lang="th-TH"/>
+              <a:rPr lang="th-TH" dirty="0"/>
               <a:t> </a:t>
             </a:r>
           </a:p>
           <a:p>
             <a:r>
-              <a:rPr lang="en-US"/>
+              <a:rPr lang="en-US" dirty="0"/>
               <a:t>L1&amp;L2</a:t>
             </a:r>
-            <a:endParaRPr lang="th-TH"/>
+            <a:endParaRPr lang="th-TH" dirty="0"/>
           </a:p>
         </p:txBody>
       </p:sp>
@@ -828,23 +1041,21 @@
       </p:grpSpPr>
       <p:sp>
         <p:nvSpPr>
-          <p:cNvPr id="34818" name="Rectangle 2"/>
+          <p:cNvPr id="2" name="Slide Image Placeholder 1"/>
           <p:cNvSpPr>
-            <a:spLocks noRot="1" noChangeArrowheads="1" noTextEdit="1"/>
+            <a:spLocks noGrp="1" noRot="1" noChangeAspect="1"/>
           </p:cNvSpPr>
           <p:nvPr>
             <p:ph type="sldImg"/>
           </p:nvPr>
         </p:nvSpPr>
-        <p:spPr>
-          <a:ln/>
-        </p:spPr>
+        <p:spPr/>
       </p:sp>
       <p:sp>
         <p:nvSpPr>
-          <p:cNvPr id="34819" name="Rectangle 3"/>
+          <p:cNvPr id="3" name="Notes Placeholder 2"/>
           <p:cNvSpPr>
-            <a:spLocks noGrp="1" noChangeArrowheads="1"/>
+            <a:spLocks noGrp="1"/>
           </p:cNvSpPr>
           <p:nvPr>
             <p:ph type="body" idx="1"/>
@@ -856,16 +1067,51 @@
           <a:lstStyle/>
           <a:p>
             <a:r>
-              <a:rPr lang="th-TH"/>
-              <a:t>ไปดูวีดีโอด้วยแม่งไม่มีมีสไลด?หน้านึง</a:t>
-            </a:r>
-          </a:p>
-          <a:p>
+              <a:rPr lang="en-US" dirty="0" smtClean="0"/>
+              <a:t>Area 0 </a:t>
+            </a:r>
+            <a:r>
+              <a:rPr lang="th-TH" dirty="0" smtClean="0"/>
+              <a:t>คือ </a:t>
+            </a:r>
+            <a:r>
+              <a:rPr lang="en-US" dirty="0" smtClean="0"/>
+              <a:t>Backbone </a:t>
+            </a:r>
+            <a:endParaRPr lang="en-US" dirty="0"/>
+          </a:p>
+        </p:txBody>
+      </p:sp>
+      <p:sp>
+        <p:nvSpPr>
+          <p:cNvPr id="4" name="Slide Number Placeholder 3"/>
+          <p:cNvSpPr>
+            <a:spLocks noGrp="1"/>
+          </p:cNvSpPr>
+          <p:nvPr>
+            <p:ph type="sldNum" sz="quarter" idx="10"/>
+          </p:nvPr>
+        </p:nvSpPr>
+        <p:spPr/>
+        <p:txBody>
+          <a:bodyPr/>
+          <a:lstStyle/>
+          <a:p>
+            <a:fld id="{4A7FB660-91A2-4419-AC9D-3485AC0BDEDD}" type="slidenum">
+              <a:rPr lang="en-US" smtClean="0"/>
+              <a:pPr/>
+              <a:t>8</a:t>
+            </a:fld>
             <a:endParaRPr lang="th-TH"/>
           </a:p>
         </p:txBody>
       </p:sp>
     </p:spTree>
+    <p:extLst>
+      <p:ext uri="{BB962C8B-B14F-4D97-AF65-F5344CB8AC3E}">
+        <p14:creationId xmlns:p14="http://schemas.microsoft.com/office/powerpoint/2010/main" val="229743384"/>
+      </p:ext>
+    </p:extLst>
   </p:cSld>
   <p:clrMapOvr>
     <a:masterClrMapping/>
@@ -892,23 +1138,21 @@
       </p:grpSpPr>
       <p:sp>
         <p:nvSpPr>
-          <p:cNvPr id="35842" name="Rectangle 2"/>
+          <p:cNvPr id="2" name="Slide Image Placeholder 1"/>
           <p:cNvSpPr>
-            <a:spLocks noRot="1" noChangeArrowheads="1" noTextEdit="1"/>
+            <a:spLocks noGrp="1" noRot="1" noChangeAspect="1"/>
           </p:cNvSpPr>
           <p:nvPr>
             <p:ph type="sldImg"/>
           </p:nvPr>
         </p:nvSpPr>
-        <p:spPr>
-          <a:ln/>
-        </p:spPr>
+        <p:spPr/>
       </p:sp>
       <p:sp>
         <p:nvSpPr>
-          <p:cNvPr id="35843" name="Rectangle 3"/>
+          <p:cNvPr id="3" name="Notes Placeholder 2"/>
           <p:cNvSpPr>
-            <a:spLocks noGrp="1" noChangeArrowheads="1"/>
+            <a:spLocks noGrp="1"/>
           </p:cNvSpPr>
           <p:nvPr>
             <p:ph type="body" idx="1"/>
@@ -920,18 +1164,113 @@
           <a:lstStyle/>
           <a:p>
             <a:r>
-              <a:rPr lang="th-TH"/>
-              <a:t>ไอซิสเหมาะกับ</a:t>
-            </a:r>
-            <a:r>
-              <a:rPr lang="en-US"/>
-              <a:t>ipv6</a:t>
-            </a:r>
+              <a:rPr lang="en-US" dirty="0" smtClean="0"/>
+              <a:t>L1/L2 </a:t>
+            </a:r>
+            <a:r>
+              <a:rPr lang="th-TH" dirty="0" smtClean="0"/>
+              <a:t>คือชนิด</a:t>
+            </a:r>
+            <a:r>
+              <a:rPr lang="th-TH" baseline="0" dirty="0" smtClean="0"/>
+              <a:t> </a:t>
+            </a:r>
+            <a:r>
+              <a:rPr lang="en-US" baseline="0" dirty="0" smtClean="0"/>
+              <a:t>L1/L2</a:t>
+            </a:r>
+            <a:r>
+              <a:rPr lang="th-TH" baseline="0" dirty="0" smtClean="0"/>
+              <a:t> คุยทั้งในและนอก </a:t>
+            </a:r>
+            <a:r>
+              <a:rPr lang="en-US" baseline="0" dirty="0" smtClean="0"/>
+              <a:t>Area</a:t>
+            </a:r>
+            <a:endParaRPr lang="th-TH" dirty="0" smtClean="0"/>
+          </a:p>
+          <a:p>
+            <a:r>
+              <a:rPr lang="en-US" dirty="0" smtClean="0"/>
+              <a:t>L2</a:t>
+            </a:r>
+            <a:r>
+              <a:rPr lang="th-TH" dirty="0" smtClean="0"/>
+              <a:t>ก็</a:t>
+            </a:r>
+            <a:r>
+              <a:rPr lang="en-US" dirty="0" smtClean="0"/>
+              <a:t>L2</a:t>
+            </a:r>
+            <a:r>
+              <a:rPr lang="th-TH" dirty="0" smtClean="0"/>
+              <a:t>ไงคุยแต่ใน</a:t>
+            </a:r>
+            <a:r>
+              <a:rPr lang="en-US" baseline="0" dirty="0" smtClean="0"/>
+              <a:t> area 0 Backbone </a:t>
+            </a:r>
+            <a:endParaRPr lang="th-TH" dirty="0" smtClean="0"/>
+          </a:p>
+          <a:p>
+            <a:r>
+              <a:rPr lang="en-US" dirty="0" smtClean="0"/>
+              <a:t>L1</a:t>
+            </a:r>
+            <a:r>
+              <a:rPr lang="th-TH" dirty="0" smtClean="0"/>
+              <a:t>ก็</a:t>
+            </a:r>
+            <a:r>
+              <a:rPr lang="en-US" dirty="0" smtClean="0"/>
+              <a:t>L1</a:t>
+            </a:r>
+            <a:r>
+              <a:rPr lang="th-TH" dirty="0" smtClean="0"/>
+              <a:t>ไงอย่าโง่ดิ</a:t>
+            </a:r>
+            <a:r>
+              <a:rPr lang="en-US" dirty="0" smtClean="0"/>
+              <a:t> </a:t>
+            </a:r>
+            <a:r>
+              <a:rPr lang="th-TH" dirty="0" smtClean="0"/>
+              <a:t>คุยได้แต่ข้างใน</a:t>
+            </a:r>
+            <a:endParaRPr lang="en-US" dirty="0"/>
+          </a:p>
+        </p:txBody>
+      </p:sp>
+      <p:sp>
+        <p:nvSpPr>
+          <p:cNvPr id="4" name="Slide Number Placeholder 3"/>
+          <p:cNvSpPr>
+            <a:spLocks noGrp="1"/>
+          </p:cNvSpPr>
+          <p:nvPr>
+            <p:ph type="sldNum" sz="quarter" idx="10"/>
+          </p:nvPr>
+        </p:nvSpPr>
+        <p:spPr/>
+        <p:txBody>
+          <a:bodyPr/>
+          <a:lstStyle/>
+          <a:p>
+            <a:fld id="{4A7FB660-91A2-4419-AC9D-3485AC0BDEDD}" type="slidenum">
+              <a:rPr lang="en-US" smtClean="0"/>
+              <a:pPr/>
+              <a:t>9</a:t>
+            </a:fld>
             <a:endParaRPr lang="th-TH"/>
           </a:p>
         </p:txBody>
       </p:sp>
     </p:spTree>
+    <p:extLst>
+      <p:ext uri="{BB962C8B-B14F-4D97-AF65-F5344CB8AC3E}">
+        <p14:creationId xmlns:p14="http://schemas.microsoft.com/office/powerpoint/2010/main" val="916246053"/>
+      </p:ext>
+    </p:extLst>
   </p:cSld>
   <p:clrMapOvr>
     <a:masterClrMapping/>
@@ -958,9 +1297,9 @@
       </p:grpSpPr>
       <p:sp>
         <p:nvSpPr>
-          <p:cNvPr id="36866" name="Rectangle 2"/>
+          <p:cNvPr id="34818" name="Rectangle 2"/>
           <p:cNvSpPr>
-            <a:spLocks noRot="1" noChangeArrowheads="1" noTextEdit="1"/>
+            <a:spLocks noGrp="1" noRot="1" noChangeAspect="1" noChangeArrowheads="1" noTextEdit="1"/>
           </p:cNvSpPr>
           <p:nvPr>
             <p:ph type="sldImg"/>
@@ -972,7 +1311,7 @@
       </p:sp>
       <p:sp>
         <p:nvSpPr>
-          <p:cNvPr id="36867" name="Rectangle 3"/>
+          <p:cNvPr id="34819" name="Rectangle 3"/>
           <p:cNvSpPr>
             <a:spLocks noGrp="1" noChangeArrowheads="1"/>
           </p:cNvSpPr>
@@ -986,25 +1325,49 @@
           <a:lstStyle/>
           <a:p>
             <a:r>
-              <a:rPr lang="th-TH"/>
-              <a:t>สรุปเลย คือแยกเป็นสามส่วน </a:t>
-            </a:r>
-            <a:r>
-              <a:rPr lang="en-US"/>
-              <a:t>Area System ID NSEL </a:t>
-            </a:r>
-            <a:r>
-              <a:rPr lang="th-TH"/>
-              <a:t>โดย</a:t>
-            </a:r>
-            <a:r>
-              <a:rPr lang="en-US"/>
-              <a:t>Fix NSEL </a:t>
-            </a:r>
-            <a:r>
-              <a:rPr lang="th-TH"/>
-              <a:t>ไว้</a:t>
-            </a:r>
+              <a:rPr lang="th-TH" dirty="0" smtClean="0"/>
+              <a:t>เป็นหน้าที่ทำให้ดูง่ายขึ้น</a:t>
+            </a:r>
+            <a:r>
+              <a:rPr lang="th-TH" baseline="0" dirty="0" smtClean="0"/>
+              <a:t> อย่าง </a:t>
+            </a:r>
+            <a:r>
+              <a:rPr lang="en-US" baseline="0" dirty="0" smtClean="0"/>
+              <a:t>Area-3 </a:t>
+            </a:r>
+            <a:r>
+              <a:rPr lang="th-TH" baseline="0" dirty="0" smtClean="0"/>
+              <a:t>เอาไว้ต่อกับข้างนอกอย่างเดียวเลยเป็น </a:t>
+            </a:r>
+            <a:r>
+              <a:rPr lang="en-US" baseline="0" dirty="0" smtClean="0"/>
+              <a:t>L2 </a:t>
+            </a:r>
+            <a:endParaRPr lang="th-TH" baseline="0" dirty="0" smtClean="0"/>
+          </a:p>
+          <a:p>
+            <a:r>
+              <a:rPr lang="th-TH" baseline="0" dirty="0" smtClean="0"/>
+              <a:t>อย่างแรกต้อง </a:t>
+            </a:r>
+            <a:r>
+              <a:rPr lang="en-US" baseline="0" dirty="0" smtClean="0"/>
+              <a:t>Identify </a:t>
+            </a:r>
+            <a:r>
+              <a:rPr lang="th-TH" baseline="0" dirty="0" smtClean="0"/>
+              <a:t>ให้ได้ </a:t>
+            </a:r>
+            <a:r>
+              <a:rPr lang="en-US" baseline="0" dirty="0" smtClean="0"/>
+              <a:t>L1 L2 L1/L2</a:t>
+            </a:r>
+            <a:r>
+              <a:rPr lang="th-TH" baseline="0" dirty="0" smtClean="0"/>
+              <a:t> </a:t>
+            </a:r>
+            <a:endParaRPr lang="th-TH" dirty="0"/>
           </a:p>
         </p:txBody>
       </p:sp>
@@ -1035,9 +1398,9 @@
       </p:grpSpPr>
       <p:sp>
         <p:nvSpPr>
-          <p:cNvPr id="37890" name="Rectangle 2"/>
+          <p:cNvPr id="35842" name="Rectangle 2"/>
           <p:cNvSpPr>
-            <a:spLocks noRot="1" noChangeArrowheads="1" noTextEdit="1"/>
+            <a:spLocks noGrp="1" noRot="1" noChangeAspect="1" noChangeArrowheads="1" noTextEdit="1"/>
           </p:cNvSpPr>
           <p:nvPr>
             <p:ph type="sldImg"/>
@@ -1049,7 +1412,7 @@
       </p:sp>
       <p:sp>
         <p:nvSpPr>
-          <p:cNvPr id="37891" name="Rectangle 3"/>
+          <p:cNvPr id="35843" name="Rectangle 3"/>
           <p:cNvSpPr>
             <a:spLocks noGrp="1" noChangeArrowheads="1"/>
           </p:cNvSpPr>
@@ -1063,48 +1426,14 @@
           <a:lstStyle/>
           <a:p>
             <a:r>
+              <a:rPr lang="th-TH"/>
+              <a:t>ไอซิสเหมาะกับ</a:t>
+            </a:r>
+            <a:r>
               <a:rPr lang="en-US"/>
-              <a:t>39.0002 </a:t>
-            </a:r>
-            <a:r>
-              <a:rPr lang="th-TH"/>
-              <a:t>คือ</a:t>
-            </a:r>
-            <a:r>
-              <a:rPr lang="en-US"/>
-              <a:t>Area </a:t>
-            </a:r>
-            <a:r>
-              <a:rPr lang="th-TH"/>
-              <a:t>ใน</a:t>
-            </a:r>
-            <a:r>
-              <a:rPr lang="en-US"/>
-              <a:t>39.0002</a:t>
-            </a:r>
-            <a:r>
-              <a:rPr lang="th-TH"/>
-              <a:t> </a:t>
-            </a:r>
-            <a:endParaRPr lang="en-US"/>
-          </a:p>
-          <a:p>
-            <a:r>
-              <a:rPr lang="en-US"/>
-              <a:t>aaaa.bbbb.cccc </a:t>
-            </a:r>
-            <a:r>
-              <a:rPr lang="th-TH"/>
-              <a:t>คือเลขข้างใน แล้วตามท้ายด้วย</a:t>
-            </a:r>
-            <a:r>
-              <a:rPr lang="en-US"/>
-              <a:t> 00</a:t>
-            </a:r>
-            <a:r>
-              <a:rPr lang="th-TH"/>
-              <a:t>เสมอ</a:t>
-            </a:r>
+              <a:t>ipv6</a:t>
+            </a:r>
+            <a:endParaRPr lang="th-TH"/>
           </a:p>
         </p:txBody>
       </p:sp>
@@ -1135,23 +1464,21 @@
       </p:grpSpPr>
       <p:sp>
         <p:nvSpPr>
-          <p:cNvPr id="38914" name="Rectangle 2"/>
+          <p:cNvPr id="2" name="Slide Image Placeholder 1"/>
           <p:cNvSpPr>
-            <a:spLocks noRot="1" noChangeArrowheads="1" noTextEdit="1"/>
+            <a:spLocks noGrp="1" noRot="1" noChangeAspect="1"/>
           </p:cNvSpPr>
           <p:nvPr>
             <p:ph type="sldImg"/>
           </p:nvPr>
         </p:nvSpPr>
-        <p:spPr>
-          <a:ln/>
-        </p:spPr>
+        <p:spPr/>
       </p:sp>
       <p:sp>
         <p:nvSpPr>
-          <p:cNvPr id="38915" name="Rectangle 3"/>
+          <p:cNvPr id="3" name="Notes Placeholder 2"/>
           <p:cNvSpPr>
-            <a:spLocks noGrp="1" noChangeArrowheads="1"/>
+            <a:spLocks noGrp="1"/>
           </p:cNvSpPr>
           <p:nvPr>
             <p:ph type="body" idx="1"/>
@@ -1163,17 +1490,55 @@
           <a:lstStyle/>
           <a:p>
             <a:r>
-              <a:rPr lang="en-US"/>
-              <a:t>End system </a:t>
-            </a:r>
-            <a:r>
-              <a:rPr lang="th-TH"/>
-              <a:t>จะมีรูปแบบการคุยที่ต่างๆกันไป</a:t>
-            </a:r>
+              <a:rPr lang="th-TH" dirty="0" smtClean="0"/>
+              <a:t>รูปแบบของ</a:t>
+            </a:r>
+            <a:r>
+              <a:rPr lang="th-TH" baseline="0" dirty="0" smtClean="0"/>
+              <a:t> </a:t>
+            </a:r>
+            <a:r>
+              <a:rPr lang="en-US" baseline="0" dirty="0" smtClean="0"/>
+              <a:t>Address </a:t>
+            </a:r>
+            <a:r>
+              <a:rPr lang="th-TH" baseline="0" dirty="0" smtClean="0"/>
+              <a:t>ไอซิส</a:t>
+            </a:r>
+            <a:endParaRPr lang="en-US" dirty="0"/>
+          </a:p>
+        </p:txBody>
+      </p:sp>
+      <p:sp>
+        <p:nvSpPr>
+          <p:cNvPr id="4" name="Slide Number Placeholder 3"/>
+          <p:cNvSpPr>
+            <a:spLocks noGrp="1"/>
+          </p:cNvSpPr>
+          <p:nvPr>
+            <p:ph type="sldNum" sz="quarter" idx="10"/>
+          </p:nvPr>
+        </p:nvSpPr>
+        <p:spPr/>
+        <p:txBody>
+          <a:bodyPr/>
+          <a:lstStyle/>
+          <a:p>
+            <a:fld id="{4A7FB660-91A2-4419-AC9D-3485AC0BDEDD}" type="slidenum">
+              <a:rPr lang="en-US" smtClean="0"/>
+              <a:pPr/>
+              <a:t>13</a:t>
+            </a:fld>
+            <a:endParaRPr lang="th-TH"/>
           </a:p>
         </p:txBody>
       </p:sp>
     </p:spTree>
+    <p:extLst>
+      <p:ext uri="{BB962C8B-B14F-4D97-AF65-F5344CB8AC3E}">
+        <p14:creationId xmlns:p14="http://schemas.microsoft.com/office/powerpoint/2010/main" val="1831464573"/>
+      </p:ext>
+    </p:extLst>
   </p:cSld>
   <p:clrMapOvr>
     <a:masterClrMapping/>
@@ -1200,9 +1565,9 @@
       </p:grpSpPr>
       <p:sp>
         <p:nvSpPr>
-          <p:cNvPr id="39938" name="Rectangle 2"/>
+          <p:cNvPr id="36866" name="Rectangle 2"/>
           <p:cNvSpPr>
-            <a:spLocks noRot="1" noChangeArrowheads="1" noTextEdit="1"/>
+            <a:spLocks noGrp="1" noRot="1" noChangeAspect="1" noChangeArrowheads="1" noTextEdit="1"/>
           </p:cNvSpPr>
           <p:nvPr>
             <p:ph type="sldImg"/>
@@ -1214,7 +1579,7 @@
       </p:sp>
       <p:sp>
         <p:nvSpPr>
-          <p:cNvPr id="39939" name="Rectangle 3"/>
+          <p:cNvPr id="36867" name="Rectangle 3"/>
           <p:cNvSpPr>
             <a:spLocks noGrp="1" noChangeArrowheads="1"/>
           </p:cNvSpPr>
@@ -1229,13 +1594,24 @@
           <a:p>
             <a:r>
               <a:rPr lang="th-TH"/>
-              <a:t>พอขาดกะจะเชื่อมไปอีกอัน ถ้าไม่ได้รับก็ </a:t>
+              <a:t>สรุปเลย คือแยกเป็นสามส่วน </a:t>
             </a:r>
             <a:r>
               <a:rPr lang="en-US"/>
-              <a:t>resend</a:t>
-            </a:r>
-            <a:endParaRPr lang="th-TH"/>
+              <a:t>Area System ID NSEL </a:t>
+            </a:r>
+            <a:r>
+              <a:rPr lang="th-TH"/>
+              <a:t>โดย</a:t>
+            </a:r>
+            <a:r>
+              <a:rPr lang="en-US"/>
+              <a:t>Fix NSEL </a:t>
+            </a:r>
+            <a:r>
+              <a:rPr lang="th-TH"/>
+              <a:t>ไว้</a:t>
+            </a:r>
           </a:p>
         </p:txBody>
       </p:sp>
@@ -1266,9 +1642,9 @@
       </p:grpSpPr>
       <p:sp>
         <p:nvSpPr>
-          <p:cNvPr id="40962" name="Rectangle 2"/>
+          <p:cNvPr id="37890" name="Rectangle 2"/>
           <p:cNvSpPr>
-            <a:spLocks noRot="1" noChangeArrowheads="1" noTextEdit="1"/>
+            <a:spLocks noGrp="1" noRot="1" noChangeAspect="1" noChangeArrowheads="1" noTextEdit="1"/>
           </p:cNvSpPr>
           <p:nvPr>
             <p:ph type="sldImg"/>
@@ -1280,7 +1656,7 @@
       </p:sp>
       <p:sp>
         <p:nvSpPr>
-          <p:cNvPr id="40963" name="Rectangle 3"/>
+          <p:cNvPr id="37891" name="Rectangle 3"/>
           <p:cNvSpPr>
             <a:spLocks noGrp="1" noChangeArrowheads="1"/>
           </p:cNvSpPr>
@@ -1294,16 +1670,47 @@
           <a:lstStyle/>
           <a:p>
             <a:r>
+              <a:rPr lang="en-US"/>
+              <a:t>39.0002 </a:t>
+            </a:r>
+            <a:r>
               <a:rPr lang="th-TH"/>
-              <a:t>ช่วงนี้หลุดๆนะ ในข้อสอบให้มาแล้วให้เขียน</a:t>
+              <a:t>คือ</a:t>
             </a:r>
             <a:r>
               <a:rPr lang="en-US"/>
-              <a:t> routing table </a:t>
+              <a:t>Area </a:t>
             </a:r>
             <a:r>
               <a:rPr lang="th-TH"/>
-              <a:t>หรือให้วาดรูป</a:t>
+              <a:t>ใน</a:t>
+            </a:r>
+            <a:r>
+              <a:rPr lang="en-US"/>
+              <a:t>39.0002</a:t>
+            </a:r>
+            <a:r>
+              <a:rPr lang="th-TH"/>
+              <a:t> </a:t>
+            </a:r>
+            <a:endParaRPr lang="en-US"/>
+          </a:p>
+          <a:p>
+            <a:r>
+              <a:rPr lang="en-US"/>
+              <a:t>aaaa.bbbb.cccc </a:t>
+            </a:r>
+            <a:r>
+              <a:rPr lang="th-TH"/>
+              <a:t>คือเลขข้างใน แล้วตามท้ายด้วย</a:t>
+            </a:r>
+            <a:r>
+              <a:rPr lang="en-US"/>
+              <a:t> 00</a:t>
+            </a:r>
+            <a:r>
+              <a:rPr lang="th-TH"/>
+              <a:t>เสมอ</a:t>
             </a:r>
           </a:p>
         </p:txBody>
@@ -1448,7 +1855,7 @@
               <a:pPr>
                 <a:defRPr/>
               </a:pPr>
-              <a:t>4/18/2017</a:t>
+              <a:t>5/13/2017</a:t>
             </a:fld>
             <a:endParaRPr lang="en-US"/>
           </a:p>
@@ -1618,7 +2025,7 @@
               <a:pPr>
                 <a:defRPr/>
               </a:pPr>
-              <a:t>4/18/2017</a:t>
+              <a:t>5/13/2017</a:t>
             </a:fld>
             <a:endParaRPr lang="en-US"/>
           </a:p>
@@ -1821,7 +2228,7 @@
               <a:pPr>
                 <a:defRPr/>
               </a:pPr>
-              <a:t>4/18/2017</a:t>
+              <a:t>5/13/2017</a:t>
             </a:fld>
             <a:endParaRPr lang="en-US"/>
           </a:p>
@@ -1962,7 +2369,7 @@
               <a:pPr>
                 <a:defRPr/>
               </a:pPr>
-              <a:t>4/18/2017</a:t>
+              <a:t>5/13/2017</a:t>
             </a:fld>
             <a:endParaRPr lang="en-US"/>
           </a:p>
@@ -2074,7 +2481,7 @@
               <a:pPr>
                 <a:defRPr/>
               </a:pPr>
-              <a:t>4/18/2017</a:t>
+              <a:t>5/13/2017</a:t>
             </a:fld>
             <a:endParaRPr lang="en-US"/>
           </a:p>
@@ -2664,7 +3071,7 @@
               <a:pPr>
                 <a:defRPr/>
               </a:pPr>
-              <a:t>4/18/2017</a:t>
+              <a:t>5/13/2017</a:t>
             </a:fld>
             <a:endParaRPr lang="en-US"/>
           </a:p>
@@ -3606,6 +4013,13 @@
   <p:clrMapOvr>
     <a:masterClrMapping/>
   </p:clrMapOvr>
+  <p:timing>
+    <p:tnLst>
+      <p:par>
+        <p:cTn id="1" dur="indefinite" restart="never" nodeType="tmRoot"/>
+      </p:par>
+    </p:tnLst>
+  </p:timing>
 </p:sld>
 </file>
 
@@ -3760,6 +4174,13 @@
   <p:clrMapOvr>
     <a:masterClrMapping/>
   </p:clrMapOvr>
+  <p:timing>
+    <p:tnLst>
+      <p:par>
+        <p:cTn id="1" dur="indefinite" restart="never" nodeType="tmRoot"/>
+      </p:par>
+    </p:tnLst>
+  </p:timing>
 </p:sld>
 </file>
 
@@ -4178,6 +4599,13 @@
   <p:clrMapOvr>
     <a:masterClrMapping/>
   </p:clrMapOvr>
+  <p:timing>
+    <p:tnLst>
+      <p:par>
+        <p:cTn id="1" dur="indefinite" restart="never" nodeType="tmRoot"/>
+      </p:par>
+    </p:tnLst>
+  </p:timing>
 </p:sld>
 </file>
 
@@ -4827,6 +5255,13 @@
   <p:clrMapOvr>
     <a:masterClrMapping/>
   </p:clrMapOvr>
+  <p:timing>
+    <p:tnLst>
+      <p:par>
+        <p:cTn id="1" dur="indefinite" restart="never" nodeType="tmRoot"/>
+      </p:par>
+    </p:tnLst>
+  </p:timing>
 </p:sld>
 </file>
 
@@ -4910,7 +5345,7 @@
             <a:avLst/>
           </a:prstGeom>
           <a:blipFill dpi="0" rotWithShape="1">
-            <a:blip r:embed="rId2"/>
+            <a:blip r:embed="rId3"/>
             <a:srcRect/>
             <a:stretch>
               <a:fillRect/>
@@ -4944,7 +5379,7 @@
         </p:nvGraphicFramePr>
         <p:xfrm>
           <a:off x="1566863" y="1901825"/>
-          <a:ext cx="6119812" cy="720725"/>
+          <a:ext cx="6120383" cy="720851"/>
         </p:xfrm>
         <a:graphic>
           <a:graphicData uri="http://schemas.openxmlformats.org/drawingml/2006/table">
@@ -6254,6 +6689,13 @@
   <p:clrMapOvr>
     <a:masterClrMapping/>
   </p:clrMapOvr>
+  <p:timing>
+    <p:tnLst>
+      <p:par>
+        <p:cTn id="1" dur="indefinite" restart="never" nodeType="tmRoot"/>
+      </p:par>
+    </p:tnLst>
+  </p:timing>
 </p:sld>
 </file>
 
@@ -6816,6 +7258,13 @@
   <p:clrMapOvr>
     <a:masterClrMapping/>
   </p:clrMapOvr>
+  <p:timing>
+    <p:tnLst>
+      <p:par>
+        <p:cTn id="1" dur="indefinite" restart="never" nodeType="tmRoot"/>
+      </p:par>
+    </p:tnLst>
+  </p:timing>
 </p:sld>
 </file>
 
@@ -7731,6 +8180,13 @@
   <p:clrMapOvr>
     <a:masterClrMapping/>
   </p:clrMapOvr>
+  <p:timing>
+    <p:tnLst>
+      <p:par>
+        <p:cTn id="1" dur="indefinite" restart="never" nodeType="tmRoot"/>
+      </p:par>
+    </p:tnLst>
+  </p:timing>
 </p:sld>
 </file>
 
@@ -8306,6 +8762,13 @@
   <p:clrMapOvr>
     <a:masterClrMapping/>
   </p:clrMapOvr>
+  <p:timing>
+    <p:tnLst>
+      <p:par>
+        <p:cTn id="1" dur="indefinite" restart="never" nodeType="tmRoot"/>
+      </p:par>
+    </p:tnLst>
+  </p:timing>
 </p:sld>
 </file>
 
@@ -8713,6 +9176,13 @@
   <p:clrMapOvr>
     <a:masterClrMapping/>
   </p:clrMapOvr>
+  <p:timing>
+    <p:tnLst>
+      <p:par>
+        <p:cTn id="1" dur="indefinite" restart="never" nodeType="tmRoot"/>
+      </p:par>
+    </p:tnLst>
+  </p:timing>
 </p:sld>
 </file>
 
@@ -9389,6 +9859,13 @@
   <p:clrMapOvr>
     <a:masterClrMapping/>
   </p:clrMapOvr>
+  <p:timing>
+    <p:tnLst>
+      <p:par>
+        <p:cTn id="1" dur="indefinite" restart="never" nodeType="tmRoot"/>
+      </p:par>
+    </p:tnLst>
+  </p:timing>
 </p:sld>
 </file>
 
@@ -10431,6 +10908,13 @@
   <p:clrMapOvr>
     <a:masterClrMapping/>
   </p:clrMapOvr>
+  <p:timing>
+    <p:tnLst>
+      <p:par>
+        <p:cTn id="1" dur="indefinite" restart="never" nodeType="tmRoot"/>
+      </p:par>
+    </p:tnLst>
+  </p:timing>
 </p:sld>
 </file>
 
@@ -10623,6 +11107,13 @@
   <p:clrMapOvr>
     <a:masterClrMapping/>
   </p:clrMapOvr>
+  <p:timing>
+    <p:tnLst>
+      <p:par>
+        <p:cTn id="1" dur="indefinite" restart="never" nodeType="tmRoot"/>
+      </p:par>
+    </p:tnLst>
+  </p:timing>
 </p:sld>
 </file>
 
@@ -12501,6 +12992,13 @@
   <p:clrMapOvr>
     <a:masterClrMapping/>
   </p:clrMapOvr>
+  <p:timing>
+    <p:tnLst>
+      <p:par>
+        <p:cTn id="1" dur="indefinite" restart="never" nodeType="tmRoot"/>
+      </p:par>
+    </p:tnLst>
+  </p:timing>
 </p:sld>
 </file>
 
@@ -12920,6 +13418,13 @@
   <p:clrMapOvr>
     <a:masterClrMapping/>
   </p:clrMapOvr>
+  <p:timing>
+    <p:tnLst>
+      <p:par>
+        <p:cTn id="1" dur="indefinite" restart="never" nodeType="tmRoot"/>
+      </p:par>
+    </p:tnLst>
+  </p:timing>
 </p:sld>
 </file>
 
@@ -14423,6 +14928,13 @@
   <p:clrMapOvr>
     <a:masterClrMapping/>
   </p:clrMapOvr>
+  <p:timing>
+    <p:tnLst>
+      <p:par>
+        <p:cTn id="1" dur="indefinite" restart="never" nodeType="tmRoot"/>
+      </p:par>
+    </p:tnLst>
+  </p:timing>
 </p:sld>
 </file>
 
@@ -15485,7 +15997,7 @@
         </p:nvGraphicFramePr>
         <p:xfrm>
           <a:off x="-12700" y="4892675"/>
-          <a:ext cx="6734175" cy="1539875"/>
+          <a:ext cx="6734175" cy="1538288"/>
         </p:xfrm>
         <a:graphic>
           <a:graphicData uri="http://schemas.openxmlformats.org/drawingml/2006/table">
@@ -16511,6 +17023,13 @@
   <p:clrMapOvr>
     <a:masterClrMapping/>
   </p:clrMapOvr>
+  <p:timing>
+    <p:tnLst>
+      <p:par>
+        <p:cTn id="1" dur="indefinite" restart="never" nodeType="tmRoot"/>
+      </p:par>
+    </p:tnLst>
+  </p:timing>
 </p:sld>
 </file>
 
@@ -18208,6 +18727,13 @@
   <p:clrMapOvr>
     <a:masterClrMapping/>
   </p:clrMapOvr>
+  <p:timing>
+    <p:tnLst>
+      <p:par>
+        <p:cTn id="1" dur="indefinite" restart="never" nodeType="tmRoot"/>
+      </p:par>
+    </p:tnLst>
+  </p:timing>
 </p:sld>
 </file>
 
@@ -18531,6 +19057,13 @@
   <p:clrMapOvr>
     <a:masterClrMapping/>
   </p:clrMapOvr>
+  <p:timing>
+    <p:tnLst>
+      <p:par>
+        <p:cTn id="1" dur="indefinite" restart="never" nodeType="tmRoot"/>
+      </p:par>
+    </p:tnLst>
+  </p:timing>
 </p:sld>
 </file>
 
@@ -18644,7 +19177,7 @@
         </p:nvGraphicFramePr>
         <p:xfrm>
           <a:off x="454025" y="1966913"/>
-          <a:ext cx="8424863" cy="4256087"/>
+          <a:ext cx="8424863" cy="4251326"/>
         </p:xfrm>
         <a:graphic>
           <a:graphicData uri="http://schemas.openxmlformats.org/drawingml/2006/table">
@@ -20519,6 +21052,13 @@
   <p:clrMapOvr>
     <a:masterClrMapping/>
   </p:clrMapOvr>
+  <p:timing>
+    <p:tnLst>
+      <p:par>
+        <p:cTn id="1" dur="indefinite" restart="never" nodeType="tmRoot"/>
+      </p:par>
+    </p:tnLst>
+  </p:timing>
 </p:sld>
 </file>
 
@@ -20730,6 +21270,13 @@
   <p:clrMapOvr>
     <a:masterClrMapping/>
   </p:clrMapOvr>
+  <p:timing>
+    <p:tnLst>
+      <p:par>
+        <p:cTn id="1" dur="indefinite" restart="never" nodeType="tmRoot"/>
+      </p:par>
+    </p:tnLst>
+  </p:timing>
 </p:sld>
 </file>
 
@@ -21259,6 +21806,13 @@
   <p:clrMapOvr>
     <a:masterClrMapping/>
   </p:clrMapOvr>
+  <p:timing>
+    <p:tnLst>
+      <p:par>
+        <p:cTn id="1" dur="indefinite" restart="never" nodeType="tmRoot"/>
+      </p:par>
+    </p:tnLst>
+  </p:timing>
 </p:sld>
 </file>
 
@@ -29264,7 +29818,7 @@
         <p:spPr>
           <a:xfrm>
             <a:off x="5414963" y="1798638"/>
-            <a:ext cx="444500" cy="268287"/>
+            <a:ext cx="444500" cy="246221"/>
           </a:xfrm>
           <a:prstGeom prst="rect">
             <a:avLst/>
@@ -29286,34 +29840,13 @@
               <a:defRPr/>
             </a:pPr>
             <a:r>
-              <a:rPr sz="1600" spc="-170" dirty="0">
+              <a:rPr lang="th-TH" sz="1600" spc="-170" dirty="0" smtClean="0">
                 <a:latin typeface="BrowalliaUPC"/>
                 <a:cs typeface="BrowalliaUPC"/>
               </a:rPr>
-              <a:t>พน้ื   </a:t>
-            </a:r>
-            <a:r>
-              <a:rPr sz="1600" spc="15" dirty="0">
-                <a:latin typeface="BrowalliaUPC"/>
-                <a:cs typeface="BrowalliaUPC"/>
-              </a:rPr>
-              <a:t>ท่ี</a:t>
-            </a:r>
-            <a:r>
-              <a:rPr sz="1600" spc="60" dirty="0">
-                <a:latin typeface="BrowalliaUPC"/>
-                <a:cs typeface="BrowalliaUPC"/>
-              </a:rPr>
-              <a:t> </a:t>
-            </a:r>
-            <a:r>
-              <a:rPr sz="1600" spc="20" dirty="0">
-                <a:latin typeface="BrowalliaUPC"/>
-                <a:cs typeface="BrowalliaUPC"/>
-              </a:rPr>
-              <a:t>1</a:t>
-            </a:r>
-            <a:endParaRPr sz="1600">
+              <a:t>พื้นที่1</a:t>
+            </a:r>
+            <a:endParaRPr sz="1600" dirty="0">
               <a:latin typeface="BrowalliaUPC"/>
               <a:cs typeface="BrowalliaUPC"/>
             </a:endParaRPr>
@@ -30050,6 +30583,13 @@
   <p:clrMapOvr>
     <a:masterClrMapping/>
   </p:clrMapOvr>
+  <p:timing>
+    <p:tnLst>
+      <p:par>
+        <p:cTn id="1" dur="indefinite" restart="never" nodeType="tmRoot"/>
+      </p:par>
+    </p:tnLst>
+  </p:timing>
 </p:sld>
 </file>
 
@@ -30170,7 +30710,7 @@
             <a:avLst/>
           </a:prstGeom>
           <a:blipFill dpi="0" rotWithShape="1">
-            <a:blip r:embed="rId2"/>
+            <a:blip r:embed="rId3"/>
             <a:srcRect/>
             <a:stretch>
               <a:fillRect/>
@@ -30307,6 +30847,13 @@
   <p:clrMapOvr>
     <a:masterClrMapping/>
   </p:clrMapOvr>
+  <p:timing>
+    <p:tnLst>
+      <p:par>
+        <p:cTn id="1" dur="indefinite" restart="never" nodeType="tmRoot"/>
+      </p:par>
+    </p:tnLst>
+  </p:timing>
 </p:sld>
 </file>
 
@@ -30386,7 +30933,7 @@
             <a:avLst/>
           </a:prstGeom>
           <a:blipFill dpi="0" rotWithShape="1">
-            <a:blip r:embed="rId2"/>
+            <a:blip r:embed="rId3"/>
             <a:srcRect/>
             <a:stretch>
               <a:fillRect/>
@@ -31773,7 +32320,7 @@
             <a:avLst/>
           </a:prstGeom>
           <a:blipFill dpi="0" rotWithShape="1">
-            <a:blip r:embed="rId3"/>
+            <a:blip r:embed="rId4"/>
             <a:srcRect/>
             <a:stretch>
               <a:fillRect/>
@@ -31809,6 +32356,129 @@
           <a:xfrm>
             <a:off x="7380288" y="3429000"/>
             <a:ext cx="503237" cy="504825"/>
+          </a:xfrm>
+          <a:prstGeom prst="rect">
+            <a:avLst/>
+          </a:prstGeom>
+          <a:blipFill dpi="0" rotWithShape="1">
+            <a:blip r:embed="rId5"/>
+            <a:srcRect/>
+            <a:stretch>
+              <a:fillRect/>
+            </a:stretch>
+          </a:blipFill>
+          <a:ln w="9525">
+            <a:noFill/>
+            <a:miter lim="800000"/>
+            <a:headEnd/>
+            <a:tailEnd/>
+          </a:ln>
+        </p:spPr>
+        <p:txBody>
+          <a:bodyPr lIns="0" tIns="0" rIns="0" bIns="0"/>
+          <a:lstStyle/>
+          <a:p>
+            <a:endParaRPr lang="th-TH">
+              <a:latin typeface="Calibri" pitchFamily="34" charset="0"/>
+              <a:cs typeface="Cordia New" pitchFamily="34" charset="-34"/>
+            </a:endParaRPr>
+          </a:p>
+        </p:txBody>
+      </p:sp>
+      <p:sp>
+        <p:nvSpPr>
+          <p:cNvPr id="15367" name="object 8"/>
+          <p:cNvSpPr>
+            <a:spLocks noChangeArrowheads="1"/>
+          </p:cNvSpPr>
+          <p:nvPr/>
+        </p:nvSpPr>
+        <p:spPr bwMode="auto">
+          <a:xfrm>
+            <a:off x="6804025" y="4005263"/>
+            <a:ext cx="398463" cy="325437"/>
+          </a:xfrm>
+          <a:prstGeom prst="rect">
+            <a:avLst/>
+          </a:prstGeom>
+          <a:blipFill dpi="0" rotWithShape="1">
+            <a:blip r:embed="rId6"/>
+            <a:srcRect/>
+            <a:stretch>
+              <a:fillRect/>
+            </a:stretch>
+          </a:blipFill>
+          <a:ln w="9525">
+            <a:noFill/>
+            <a:miter lim="800000"/>
+            <a:headEnd/>
+            <a:tailEnd/>
+          </a:ln>
+        </p:spPr>
+        <p:txBody>
+          <a:bodyPr lIns="0" tIns="0" rIns="0" bIns="0"/>
+          <a:lstStyle/>
+          <a:p>
+            <a:endParaRPr lang="th-TH">
+              <a:latin typeface="Calibri" pitchFamily="34" charset="0"/>
+              <a:cs typeface="Cordia New" pitchFamily="34" charset="-34"/>
+            </a:endParaRPr>
+          </a:p>
+        </p:txBody>
+      </p:sp>
+      <p:sp>
+        <p:nvSpPr>
+          <p:cNvPr id="15368" name="object 9"/>
+          <p:cNvSpPr>
+            <a:spLocks noChangeArrowheads="1"/>
+          </p:cNvSpPr>
+          <p:nvPr/>
+        </p:nvSpPr>
+        <p:spPr bwMode="auto">
+          <a:xfrm>
+            <a:off x="7308850" y="4149725"/>
+            <a:ext cx="503238" cy="504825"/>
+          </a:xfrm>
+          <a:prstGeom prst="rect">
+            <a:avLst/>
+          </a:prstGeom>
+          <a:blipFill dpi="0" rotWithShape="1">
+            <a:blip r:embed="rId5"/>
+            <a:srcRect/>
+            <a:stretch>
+              <a:fillRect/>
+            </a:stretch>
+          </a:blipFill>
+          <a:ln w="9525">
+            <a:noFill/>
+            <a:miter lim="800000"/>
+            <a:headEnd/>
+            <a:tailEnd/>
+          </a:ln>
+        </p:spPr>
+        <p:txBody>
+          <a:bodyPr lIns="0" tIns="0" rIns="0" bIns="0"/>
+          <a:lstStyle/>
+          <a:p>
+            <a:endParaRPr lang="th-TH">
+              <a:latin typeface="Calibri" pitchFamily="34" charset="0"/>
+              <a:cs typeface="Cordia New" pitchFamily="34" charset="-34"/>
+            </a:endParaRPr>
+          </a:p>
+        </p:txBody>
+      </p:sp>
+      <p:sp>
+        <p:nvSpPr>
+          <p:cNvPr id="15369" name="object 10"/>
+          <p:cNvSpPr>
+            <a:spLocks noChangeArrowheads="1"/>
+          </p:cNvSpPr>
+          <p:nvPr/>
+        </p:nvSpPr>
+        <p:spPr bwMode="auto">
+          <a:xfrm>
+            <a:off x="3635375" y="1989138"/>
+            <a:ext cx="503238" cy="265112"/>
           </a:xfrm>
           <a:prstGeom prst="rect">
             <a:avLst/>
@@ -31840,7 +32510,7 @@
       </p:sp>
       <p:sp>
         <p:nvSpPr>
-          <p:cNvPr id="15367" name="object 8"/>
+          <p:cNvPr id="15370" name="object 11"/>
           <p:cNvSpPr>
             <a:spLocks noChangeArrowheads="1"/>
           </p:cNvSpPr>
@@ -31848,49 +32518,8 @@
         </p:nvSpPr>
         <p:spPr bwMode="auto">
           <a:xfrm>
-            <a:off x="6804025" y="4005263"/>
-            <a:ext cx="398463" cy="325437"/>
-          </a:xfrm>
-          <a:prstGeom prst="rect">
-            <a:avLst/>
-          </a:prstGeom>
-          <a:blipFill dpi="0" rotWithShape="1">
-            <a:blip r:embed="rId5"/>
-            <a:srcRect/>
-            <a:stretch>
-              <a:fillRect/>
-            </a:stretch>
-          </a:blipFill>
-          <a:ln w="9525">
-            <a:noFill/>
-            <a:miter lim="800000"/>
-            <a:headEnd/>
-            <a:tailEnd/>
-          </a:ln>
-        </p:spPr>
-        <p:txBody>
-          <a:bodyPr lIns="0" tIns="0" rIns="0" bIns="0"/>
-          <a:lstStyle/>
-          <a:p>
-            <a:endParaRPr lang="th-TH">
-              <a:latin typeface="Calibri" pitchFamily="34" charset="0"/>
-              <a:cs typeface="Cordia New" pitchFamily="34" charset="-34"/>
-            </a:endParaRPr>
-          </a:p>
-        </p:txBody>
-      </p:sp>
-      <p:sp>
-        <p:nvSpPr>
-          <p:cNvPr id="15368" name="object 9"/>
-          <p:cNvSpPr>
-            <a:spLocks noChangeArrowheads="1"/>
-          </p:cNvSpPr>
-          <p:nvPr/>
-        </p:nvSpPr>
-        <p:spPr bwMode="auto">
-          <a:xfrm>
-            <a:off x="7308850" y="4149725"/>
-            <a:ext cx="503238" cy="504825"/>
+            <a:off x="4429125" y="2492375"/>
+            <a:ext cx="503238" cy="265113"/>
           </a:xfrm>
           <a:prstGeom prst="rect">
             <a:avLst/>
@@ -31922,88 +32551,6 @@
       </p:sp>
       <p:sp>
         <p:nvSpPr>
-          <p:cNvPr id="15369" name="object 10"/>
-          <p:cNvSpPr>
-            <a:spLocks noChangeArrowheads="1"/>
-          </p:cNvSpPr>
-          <p:nvPr/>
-        </p:nvSpPr>
-        <p:spPr bwMode="auto">
-          <a:xfrm>
-            <a:off x="3635375" y="1989138"/>
-            <a:ext cx="503238" cy="265112"/>
-          </a:xfrm>
-          <a:prstGeom prst="rect">
-            <a:avLst/>
-          </a:prstGeom>
-          <a:blipFill dpi="0" rotWithShape="1">
-            <a:blip r:embed="rId3"/>
-            <a:srcRect/>
-            <a:stretch>
-              <a:fillRect/>
-            </a:stretch>
-          </a:blipFill>
-          <a:ln w="9525">
-            <a:noFill/>
-            <a:miter lim="800000"/>
-            <a:headEnd/>
-            <a:tailEnd/>
-          </a:ln>
-        </p:spPr>
-        <p:txBody>
-          <a:bodyPr lIns="0" tIns="0" rIns="0" bIns="0"/>
-          <a:lstStyle/>
-          <a:p>
-            <a:endParaRPr lang="th-TH">
-              <a:latin typeface="Calibri" pitchFamily="34" charset="0"/>
-              <a:cs typeface="Cordia New" pitchFamily="34" charset="-34"/>
-            </a:endParaRPr>
-          </a:p>
-        </p:txBody>
-      </p:sp>
-      <p:sp>
-        <p:nvSpPr>
-          <p:cNvPr id="15370" name="object 11"/>
-          <p:cNvSpPr>
-            <a:spLocks noChangeArrowheads="1"/>
-          </p:cNvSpPr>
-          <p:nvPr/>
-        </p:nvSpPr>
-        <p:spPr bwMode="auto">
-          <a:xfrm>
-            <a:off x="4429125" y="2492375"/>
-            <a:ext cx="503238" cy="265113"/>
-          </a:xfrm>
-          <a:prstGeom prst="rect">
-            <a:avLst/>
-          </a:prstGeom>
-          <a:blipFill dpi="0" rotWithShape="1">
-            <a:blip r:embed="rId3"/>
-            <a:srcRect/>
-            <a:stretch>
-              <a:fillRect/>
-            </a:stretch>
-          </a:blipFill>
-          <a:ln w="9525">
-            <a:noFill/>
-            <a:miter lim="800000"/>
-            <a:headEnd/>
-            <a:tailEnd/>
-          </a:ln>
-        </p:spPr>
-        <p:txBody>
-          <a:bodyPr lIns="0" tIns="0" rIns="0" bIns="0"/>
-          <a:lstStyle/>
-          <a:p>
-            <a:endParaRPr lang="th-TH">
-              <a:latin typeface="Calibri" pitchFamily="34" charset="0"/>
-              <a:cs typeface="Cordia New" pitchFamily="34" charset="-34"/>
-            </a:endParaRPr>
-          </a:p>
-        </p:txBody>
-      </p:sp>
-      <p:sp>
-        <p:nvSpPr>
           <p:cNvPr id="15371" name="object 12"/>
           <p:cNvSpPr>
             <a:spLocks noChangeArrowheads="1"/>
@@ -32019,7 +32566,7 @@
             <a:avLst/>
           </a:prstGeom>
           <a:blipFill dpi="0" rotWithShape="1">
-            <a:blip r:embed="rId3"/>
+            <a:blip r:embed="rId4"/>
             <a:srcRect/>
             <a:stretch>
               <a:fillRect/>
@@ -32225,7 +32772,7 @@
             <a:avLst/>
           </a:prstGeom>
           <a:blipFill dpi="0" rotWithShape="1">
-            <a:blip r:embed="rId3"/>
+            <a:blip r:embed="rId4"/>
             <a:srcRect/>
             <a:stretch>
               <a:fillRect/>
@@ -32266,7 +32813,7 @@
             <a:avLst/>
           </a:prstGeom>
           <a:blipFill dpi="0" rotWithShape="1">
-            <a:blip r:embed="rId3"/>
+            <a:blip r:embed="rId4"/>
             <a:srcRect/>
             <a:stretch>
               <a:fillRect/>
@@ -32307,7 +32854,7 @@
             <a:avLst/>
           </a:prstGeom>
           <a:blipFill dpi="0" rotWithShape="1">
-            <a:blip r:embed="rId3"/>
+            <a:blip r:embed="rId4"/>
             <a:srcRect/>
             <a:stretch>
               <a:fillRect/>
@@ -32508,840 +33055,6 @@
           <a:xfrm>
             <a:off x="3348038" y="3716338"/>
             <a:ext cx="503237" cy="265112"/>
-          </a:xfrm>
-          <a:prstGeom prst="rect">
-            <a:avLst/>
-          </a:prstGeom>
-          <a:blipFill dpi="0" rotWithShape="1">
-            <a:blip r:embed="rId6"/>
-            <a:srcRect/>
-            <a:stretch>
-              <a:fillRect/>
-            </a:stretch>
-          </a:blipFill>
-          <a:ln w="9525">
-            <a:noFill/>
-            <a:miter lim="800000"/>
-            <a:headEnd/>
-            <a:tailEnd/>
-          </a:ln>
-        </p:spPr>
-        <p:txBody>
-          <a:bodyPr lIns="0" tIns="0" rIns="0" bIns="0"/>
-          <a:lstStyle/>
-          <a:p>
-            <a:endParaRPr lang="th-TH">
-              <a:latin typeface="Calibri" pitchFamily="34" charset="0"/>
-              <a:cs typeface="Cordia New" pitchFamily="34" charset="-34"/>
-            </a:endParaRPr>
-          </a:p>
-        </p:txBody>
-      </p:sp>
-      <p:sp>
-        <p:nvSpPr>
-          <p:cNvPr id="15382" name="object 23"/>
-          <p:cNvSpPr>
-            <a:spLocks/>
-          </p:cNvSpPr>
-          <p:nvPr/>
-        </p:nvSpPr>
-        <p:spPr bwMode="auto">
-          <a:xfrm>
-            <a:off x="2914650" y="3562350"/>
-            <a:ext cx="434975" cy="288925"/>
-          </a:xfrm>
-          <a:custGeom>
-            <a:avLst/>
-            <a:gdLst/>
-            <a:ahLst/>
-            <a:cxnLst>
-              <a:cxn ang="0">
-                <a:pos x="0" y="0"/>
-              </a:cxn>
-              <a:cxn ang="0">
-                <a:pos x="433450" y="288925"/>
-              </a:cxn>
-            </a:cxnLst>
-            <a:rect l="0" t="0" r="r" b="b"/>
-            <a:pathLst>
-              <a:path w="433704" h="288925">
-                <a:moveTo>
-                  <a:pt x="0" y="0"/>
-                </a:moveTo>
-                <a:lnTo>
-                  <a:pt x="433450" y="288925"/>
-                </a:lnTo>
-              </a:path>
-            </a:pathLst>
-          </a:custGeom>
-          <a:noFill/>
-          <a:ln w="9144">
-            <a:solidFill>
-              <a:srgbClr val="000000"/>
-            </a:solidFill>
-            <a:round/>
-            <a:headEnd/>
-            <a:tailEnd/>
-          </a:ln>
-        </p:spPr>
-        <p:txBody>
-          <a:bodyPr lIns="0" tIns="0" rIns="0" bIns="0"/>
-          <a:lstStyle/>
-          <a:p>
-            <a:endParaRPr lang="th-TH"/>
-          </a:p>
-        </p:txBody>
-      </p:sp>
-      <p:sp>
-        <p:nvSpPr>
-          <p:cNvPr id="15383" name="object 24"/>
-          <p:cNvSpPr>
-            <a:spLocks noChangeArrowheads="1"/>
-          </p:cNvSpPr>
-          <p:nvPr/>
-        </p:nvSpPr>
-        <p:spPr bwMode="auto">
-          <a:xfrm>
-            <a:off x="4572000" y="3860800"/>
-            <a:ext cx="503238" cy="265113"/>
-          </a:xfrm>
-          <a:prstGeom prst="rect">
-            <a:avLst/>
-          </a:prstGeom>
-          <a:blipFill dpi="0" rotWithShape="1">
-            <a:blip r:embed="rId3"/>
-            <a:srcRect/>
-            <a:stretch>
-              <a:fillRect/>
-            </a:stretch>
-          </a:blipFill>
-          <a:ln w="9525">
-            <a:noFill/>
-            <a:miter lim="800000"/>
-            <a:headEnd/>
-            <a:tailEnd/>
-          </a:ln>
-        </p:spPr>
-        <p:txBody>
-          <a:bodyPr lIns="0" tIns="0" rIns="0" bIns="0"/>
-          <a:lstStyle/>
-          <a:p>
-            <a:endParaRPr lang="th-TH">
-              <a:latin typeface="Calibri" pitchFamily="34" charset="0"/>
-              <a:cs typeface="Cordia New" pitchFamily="34" charset="-34"/>
-            </a:endParaRPr>
-          </a:p>
-        </p:txBody>
-      </p:sp>
-      <p:sp>
-        <p:nvSpPr>
-          <p:cNvPr id="15384" name="object 25"/>
-          <p:cNvSpPr>
-            <a:spLocks noChangeArrowheads="1"/>
-          </p:cNvSpPr>
-          <p:nvPr/>
-        </p:nvSpPr>
-        <p:spPr bwMode="auto">
-          <a:xfrm>
-            <a:off x="4572000" y="4581525"/>
-            <a:ext cx="503238" cy="265113"/>
-          </a:xfrm>
-          <a:prstGeom prst="rect">
-            <a:avLst/>
-          </a:prstGeom>
-          <a:blipFill dpi="0" rotWithShape="1">
-            <a:blip r:embed="rId3"/>
-            <a:srcRect/>
-            <a:stretch>
-              <a:fillRect/>
-            </a:stretch>
-          </a:blipFill>
-          <a:ln w="9525">
-            <a:noFill/>
-            <a:miter lim="800000"/>
-            <a:headEnd/>
-            <a:tailEnd/>
-          </a:ln>
-        </p:spPr>
-        <p:txBody>
-          <a:bodyPr lIns="0" tIns="0" rIns="0" bIns="0"/>
-          <a:lstStyle/>
-          <a:p>
-            <a:endParaRPr lang="th-TH">
-              <a:latin typeface="Calibri" pitchFamily="34" charset="0"/>
-              <a:cs typeface="Cordia New" pitchFamily="34" charset="-34"/>
-            </a:endParaRPr>
-          </a:p>
-        </p:txBody>
-      </p:sp>
-      <p:sp>
-        <p:nvSpPr>
-          <p:cNvPr id="15385" name="object 26"/>
-          <p:cNvSpPr>
-            <a:spLocks noChangeArrowheads="1"/>
-          </p:cNvSpPr>
-          <p:nvPr/>
-        </p:nvSpPr>
-        <p:spPr bwMode="auto">
-          <a:xfrm>
-            <a:off x="5580063" y="2492375"/>
-            <a:ext cx="503237" cy="265113"/>
-          </a:xfrm>
-          <a:prstGeom prst="rect">
-            <a:avLst/>
-          </a:prstGeom>
-          <a:blipFill dpi="0" rotWithShape="1">
-            <a:blip r:embed="rId6"/>
-            <a:srcRect/>
-            <a:stretch>
-              <a:fillRect/>
-            </a:stretch>
-          </a:blipFill>
-          <a:ln w="9525">
-            <a:noFill/>
-            <a:miter lim="800000"/>
-            <a:headEnd/>
-            <a:tailEnd/>
-          </a:ln>
-        </p:spPr>
-        <p:txBody>
-          <a:bodyPr lIns="0" tIns="0" rIns="0" bIns="0"/>
-          <a:lstStyle/>
-          <a:p>
-            <a:endParaRPr lang="th-TH">
-              <a:latin typeface="Calibri" pitchFamily="34" charset="0"/>
-              <a:cs typeface="Cordia New" pitchFamily="34" charset="-34"/>
-            </a:endParaRPr>
-          </a:p>
-        </p:txBody>
-      </p:sp>
-      <p:sp>
-        <p:nvSpPr>
-          <p:cNvPr id="15386" name="object 27"/>
-          <p:cNvSpPr>
-            <a:spLocks noChangeArrowheads="1"/>
-          </p:cNvSpPr>
-          <p:nvPr/>
-        </p:nvSpPr>
-        <p:spPr bwMode="auto">
-          <a:xfrm>
-            <a:off x="2843213" y="4292600"/>
-            <a:ext cx="503237" cy="265113"/>
-          </a:xfrm>
-          <a:prstGeom prst="rect">
-            <a:avLst/>
-          </a:prstGeom>
-          <a:blipFill dpi="0" rotWithShape="1">
-            <a:blip r:embed="rId6"/>
-            <a:srcRect/>
-            <a:stretch>
-              <a:fillRect/>
-            </a:stretch>
-          </a:blipFill>
-          <a:ln w="9525">
-            <a:noFill/>
-            <a:miter lim="800000"/>
-            <a:headEnd/>
-            <a:tailEnd/>
-          </a:ln>
-        </p:spPr>
-        <p:txBody>
-          <a:bodyPr lIns="0" tIns="0" rIns="0" bIns="0"/>
-          <a:lstStyle/>
-          <a:p>
-            <a:endParaRPr lang="th-TH">
-              <a:latin typeface="Calibri" pitchFamily="34" charset="0"/>
-              <a:cs typeface="Cordia New" pitchFamily="34" charset="-34"/>
-            </a:endParaRPr>
-          </a:p>
-        </p:txBody>
-      </p:sp>
-      <p:sp>
-        <p:nvSpPr>
-          <p:cNvPr id="15387" name="object 28"/>
-          <p:cNvSpPr>
-            <a:spLocks/>
-          </p:cNvSpPr>
-          <p:nvPr/>
-        </p:nvSpPr>
-        <p:spPr bwMode="auto">
-          <a:xfrm>
-            <a:off x="3095625" y="4557713"/>
-            <a:ext cx="1476375" cy="158750"/>
-          </a:xfrm>
-          <a:custGeom>
-            <a:avLst/>
-            <a:gdLst/>
-            <a:ahLst/>
-            <a:cxnLst>
-              <a:cxn ang="0">
-                <a:pos x="0" y="0"/>
-              </a:cxn>
-              <a:cxn ang="0">
-                <a:pos x="1476375" y="158750"/>
-              </a:cxn>
-            </a:cxnLst>
-            <a:rect l="0" t="0" r="r" b="b"/>
-            <a:pathLst>
-              <a:path w="1476375" h="158750">
-                <a:moveTo>
-                  <a:pt x="0" y="0"/>
-                </a:moveTo>
-                <a:lnTo>
-                  <a:pt x="1476375" y="158750"/>
-                </a:lnTo>
-              </a:path>
-            </a:pathLst>
-          </a:custGeom>
-          <a:noFill/>
-          <a:ln w="9144">
-            <a:solidFill>
-              <a:srgbClr val="000000"/>
-            </a:solidFill>
-            <a:round/>
-            <a:headEnd/>
-            <a:tailEnd/>
-          </a:ln>
-        </p:spPr>
-        <p:txBody>
-          <a:bodyPr lIns="0" tIns="0" rIns="0" bIns="0"/>
-          <a:lstStyle/>
-          <a:p>
-            <a:endParaRPr lang="th-TH"/>
-          </a:p>
-        </p:txBody>
-      </p:sp>
-      <p:sp>
-        <p:nvSpPr>
-          <p:cNvPr id="15388" name="object 29"/>
-          <p:cNvSpPr>
-            <a:spLocks/>
-          </p:cNvSpPr>
-          <p:nvPr/>
-        </p:nvSpPr>
-        <p:spPr bwMode="auto">
-          <a:xfrm>
-            <a:off x="3851275" y="3849688"/>
-            <a:ext cx="720725" cy="144462"/>
-          </a:xfrm>
-          <a:custGeom>
-            <a:avLst/>
-            <a:gdLst/>
-            <a:ahLst/>
-            <a:cxnLst>
-              <a:cxn ang="0">
-                <a:pos x="0" y="0"/>
-              </a:cxn>
-              <a:cxn ang="0">
-                <a:pos x="720725" y="144399"/>
-              </a:cxn>
-            </a:cxnLst>
-            <a:rect l="0" t="0" r="r" b="b"/>
-            <a:pathLst>
-              <a:path w="720725" h="144779">
-                <a:moveTo>
-                  <a:pt x="0" y="0"/>
-                </a:moveTo>
-                <a:lnTo>
-                  <a:pt x="720725" y="144399"/>
-                </a:lnTo>
-              </a:path>
-            </a:pathLst>
-          </a:custGeom>
-          <a:noFill/>
-          <a:ln w="9144">
-            <a:solidFill>
-              <a:srgbClr val="000000"/>
-            </a:solidFill>
-            <a:round/>
-            <a:headEnd/>
-            <a:tailEnd/>
-          </a:ln>
-        </p:spPr>
-        <p:txBody>
-          <a:bodyPr lIns="0" tIns="0" rIns="0" bIns="0"/>
-          <a:lstStyle/>
-          <a:p>
-            <a:endParaRPr lang="th-TH"/>
-          </a:p>
-        </p:txBody>
-      </p:sp>
-      <p:sp>
-        <p:nvSpPr>
-          <p:cNvPr id="15389" name="object 30"/>
-          <p:cNvSpPr>
-            <a:spLocks/>
-          </p:cNvSpPr>
-          <p:nvPr/>
-        </p:nvSpPr>
-        <p:spPr bwMode="auto">
-          <a:xfrm>
-            <a:off x="4824413" y="4125913"/>
-            <a:ext cx="3175" cy="455612"/>
-          </a:xfrm>
-          <a:custGeom>
-            <a:avLst/>
-            <a:gdLst/>
-            <a:ahLst/>
-            <a:cxnLst>
-              <a:cxn ang="0">
-                <a:pos x="0" y="455548"/>
-              </a:cxn>
-              <a:cxn ang="0">
-                <a:pos x="3175" y="0"/>
-              </a:cxn>
-            </a:cxnLst>
-            <a:rect l="0" t="0" r="r" b="b"/>
-            <a:pathLst>
-              <a:path w="3175" h="455929">
-                <a:moveTo>
-                  <a:pt x="0" y="455548"/>
-                </a:moveTo>
-                <a:lnTo>
-                  <a:pt x="3175" y="0"/>
-                </a:lnTo>
-              </a:path>
-            </a:pathLst>
-          </a:custGeom>
-          <a:noFill/>
-          <a:ln w="9144">
-            <a:solidFill>
-              <a:srgbClr val="000000"/>
-            </a:solidFill>
-            <a:round/>
-            <a:headEnd/>
-            <a:tailEnd/>
-          </a:ln>
-        </p:spPr>
-        <p:txBody>
-          <a:bodyPr lIns="0" tIns="0" rIns="0" bIns="0"/>
-          <a:lstStyle/>
-          <a:p>
-            <a:endParaRPr lang="th-TH"/>
-          </a:p>
-        </p:txBody>
-      </p:sp>
-      <p:sp>
-        <p:nvSpPr>
-          <p:cNvPr id="15390" name="object 31"/>
-          <p:cNvSpPr>
-            <a:spLocks/>
-          </p:cNvSpPr>
-          <p:nvPr/>
-        </p:nvSpPr>
-        <p:spPr bwMode="auto">
-          <a:xfrm>
-            <a:off x="3744913" y="3046413"/>
-            <a:ext cx="1079500" cy="814387"/>
-          </a:xfrm>
-          <a:custGeom>
-            <a:avLst/>
-            <a:gdLst/>
-            <a:ahLst/>
-            <a:cxnLst>
-              <a:cxn ang="0">
-                <a:pos x="1079500" y="814324"/>
-              </a:cxn>
-              <a:cxn ang="0">
-                <a:pos x="0" y="0"/>
-              </a:cxn>
-            </a:cxnLst>
-            <a:rect l="0" t="0" r="r" b="b"/>
-            <a:pathLst>
-              <a:path w="1079500" h="814704">
-                <a:moveTo>
-                  <a:pt x="1079500" y="814324"/>
-                </a:moveTo>
-                <a:lnTo>
-                  <a:pt x="0" y="0"/>
-                </a:lnTo>
-              </a:path>
-            </a:pathLst>
-          </a:custGeom>
-          <a:noFill/>
-          <a:ln w="9144">
-            <a:solidFill>
-              <a:srgbClr val="000000"/>
-            </a:solidFill>
-            <a:round/>
-            <a:headEnd/>
-            <a:tailEnd/>
-          </a:ln>
-        </p:spPr>
-        <p:txBody>
-          <a:bodyPr lIns="0" tIns="0" rIns="0" bIns="0"/>
-          <a:lstStyle/>
-          <a:p>
-            <a:endParaRPr lang="th-TH"/>
-          </a:p>
-        </p:txBody>
-      </p:sp>
-      <p:sp>
-        <p:nvSpPr>
-          <p:cNvPr id="15391" name="object 32"/>
-          <p:cNvSpPr>
-            <a:spLocks/>
-          </p:cNvSpPr>
-          <p:nvPr/>
-        </p:nvSpPr>
-        <p:spPr bwMode="auto">
-          <a:xfrm>
-            <a:off x="4824413" y="2757488"/>
-            <a:ext cx="1009650" cy="1103312"/>
-          </a:xfrm>
-          <a:custGeom>
-            <a:avLst/>
-            <a:gdLst/>
-            <a:ahLst/>
-            <a:cxnLst>
-              <a:cxn ang="0">
-                <a:pos x="0" y="1103249"/>
-              </a:cxn>
-              <a:cxn ang="0">
-                <a:pos x="1007999" y="0"/>
-              </a:cxn>
-            </a:cxnLst>
-            <a:rect l="0" t="0" r="r" b="b"/>
-            <a:pathLst>
-              <a:path w="1008379" h="1103629">
-                <a:moveTo>
-                  <a:pt x="0" y="1103249"/>
-                </a:moveTo>
-                <a:lnTo>
-                  <a:pt x="1007999" y="0"/>
-                </a:lnTo>
-              </a:path>
-            </a:pathLst>
-          </a:custGeom>
-          <a:noFill/>
-          <a:ln w="9144">
-            <a:solidFill>
-              <a:srgbClr val="000000"/>
-            </a:solidFill>
-            <a:round/>
-            <a:headEnd/>
-            <a:tailEnd/>
-          </a:ln>
-        </p:spPr>
-        <p:txBody>
-          <a:bodyPr lIns="0" tIns="0" rIns="0" bIns="0"/>
-          <a:lstStyle/>
-          <a:p>
-            <a:endParaRPr lang="th-TH"/>
-          </a:p>
-        </p:txBody>
-      </p:sp>
-      <p:sp>
-        <p:nvSpPr>
-          <p:cNvPr id="15392" name="object 33"/>
-          <p:cNvSpPr>
-            <a:spLocks/>
-          </p:cNvSpPr>
-          <p:nvPr/>
-        </p:nvSpPr>
-        <p:spPr bwMode="auto">
-          <a:xfrm>
-            <a:off x="6083300" y="1931988"/>
-            <a:ext cx="1012825" cy="693737"/>
-          </a:xfrm>
-          <a:custGeom>
-            <a:avLst/>
-            <a:gdLst/>
-            <a:ahLst/>
-            <a:cxnLst>
-              <a:cxn ang="0">
-                <a:pos x="0" y="693673"/>
-              </a:cxn>
-              <a:cxn ang="0">
-                <a:pos x="1011173" y="0"/>
-              </a:cxn>
-            </a:cxnLst>
-            <a:rect l="0" t="0" r="r" b="b"/>
-            <a:pathLst>
-              <a:path w="1011554" h="694055">
-                <a:moveTo>
-                  <a:pt x="0" y="693673"/>
-                </a:moveTo>
-                <a:lnTo>
-                  <a:pt x="1011173" y="0"/>
-                </a:lnTo>
-              </a:path>
-            </a:pathLst>
-          </a:custGeom>
-          <a:noFill/>
-          <a:ln w="9144">
-            <a:solidFill>
-              <a:srgbClr val="000000"/>
-            </a:solidFill>
-            <a:round/>
-            <a:headEnd/>
-            <a:tailEnd/>
-          </a:ln>
-        </p:spPr>
-        <p:txBody>
-          <a:bodyPr lIns="0" tIns="0" rIns="0" bIns="0"/>
-          <a:lstStyle/>
-          <a:p>
-            <a:endParaRPr lang="th-TH"/>
-          </a:p>
-        </p:txBody>
-      </p:sp>
-      <p:sp>
-        <p:nvSpPr>
-          <p:cNvPr id="15393" name="object 34"/>
-          <p:cNvSpPr>
-            <a:spLocks/>
-          </p:cNvSpPr>
-          <p:nvPr/>
-        </p:nvSpPr>
-        <p:spPr bwMode="auto">
-          <a:xfrm>
-            <a:off x="7004050" y="3303588"/>
-            <a:ext cx="71438" cy="628650"/>
-          </a:xfrm>
-          <a:custGeom>
-            <a:avLst/>
-            <a:gdLst/>
-            <a:ahLst/>
-            <a:cxnLst>
-              <a:cxn ang="0">
-                <a:pos x="0" y="628649"/>
-              </a:cxn>
-              <a:cxn ang="0">
-                <a:pos x="35687" y="628649"/>
-              </a:cxn>
-              <a:cxn ang="0">
-                <a:pos x="35687" y="0"/>
-              </a:cxn>
-              <a:cxn ang="0">
-                <a:pos x="71500" y="0"/>
-              </a:cxn>
-            </a:cxnLst>
-            <a:rect l="0" t="0" r="r" b="b"/>
-            <a:pathLst>
-              <a:path w="71754" h="628650">
-                <a:moveTo>
-                  <a:pt x="0" y="628649"/>
-                </a:moveTo>
-                <a:lnTo>
-                  <a:pt x="35687" y="628649"/>
-                </a:lnTo>
-                <a:lnTo>
-                  <a:pt x="35687" y="0"/>
-                </a:lnTo>
-                <a:lnTo>
-                  <a:pt x="71500" y="0"/>
-                </a:lnTo>
-              </a:path>
-            </a:pathLst>
-          </a:custGeom>
-          <a:noFill/>
-          <a:ln w="9144">
-            <a:solidFill>
-              <a:srgbClr val="000000"/>
-            </a:solidFill>
-            <a:round/>
-            <a:headEnd/>
-            <a:tailEnd/>
-          </a:ln>
-        </p:spPr>
-        <p:txBody>
-          <a:bodyPr lIns="0" tIns="0" rIns="0" bIns="0"/>
-          <a:lstStyle/>
-          <a:p>
-            <a:endParaRPr lang="th-TH"/>
-          </a:p>
-        </p:txBody>
-      </p:sp>
-      <p:sp>
-        <p:nvSpPr>
-          <p:cNvPr id="15394" name="object 35"/>
-          <p:cNvSpPr>
-            <a:spLocks/>
-          </p:cNvSpPr>
-          <p:nvPr/>
-        </p:nvSpPr>
-        <p:spPr bwMode="auto">
-          <a:xfrm>
-            <a:off x="7202488" y="4168775"/>
-            <a:ext cx="106362" cy="233363"/>
-          </a:xfrm>
-          <a:custGeom>
-            <a:avLst/>
-            <a:gdLst/>
-            <a:ahLst/>
-            <a:cxnLst>
-              <a:cxn ang="0">
-                <a:pos x="0" y="0"/>
-              </a:cxn>
-              <a:cxn ang="0">
-                <a:pos x="53212" y="0"/>
-              </a:cxn>
-              <a:cxn ang="0">
-                <a:pos x="53212" y="233426"/>
-              </a:cxn>
-              <a:cxn ang="0">
-                <a:pos x="106299" y="233426"/>
-              </a:cxn>
-            </a:cxnLst>
-            <a:rect l="0" t="0" r="r" b="b"/>
-            <a:pathLst>
-              <a:path w="106679" h="233679">
-                <a:moveTo>
-                  <a:pt x="0" y="0"/>
-                </a:moveTo>
-                <a:lnTo>
-                  <a:pt x="53212" y="0"/>
-                </a:lnTo>
-                <a:lnTo>
-                  <a:pt x="53212" y="233426"/>
-                </a:lnTo>
-                <a:lnTo>
-                  <a:pt x="106299" y="233426"/>
-                </a:lnTo>
-              </a:path>
-            </a:pathLst>
-          </a:custGeom>
-          <a:noFill/>
-          <a:ln w="9144">
-            <a:solidFill>
-              <a:srgbClr val="000000"/>
-            </a:solidFill>
-            <a:round/>
-            <a:headEnd/>
-            <a:tailEnd/>
-          </a:ln>
-        </p:spPr>
-        <p:txBody>
-          <a:bodyPr lIns="0" tIns="0" rIns="0" bIns="0"/>
-          <a:lstStyle/>
-          <a:p>
-            <a:endParaRPr lang="th-TH"/>
-          </a:p>
-        </p:txBody>
-      </p:sp>
-      <p:sp>
-        <p:nvSpPr>
-          <p:cNvPr id="15395" name="object 36"/>
-          <p:cNvSpPr>
-            <a:spLocks/>
-          </p:cNvSpPr>
-          <p:nvPr/>
-        </p:nvSpPr>
-        <p:spPr bwMode="auto">
-          <a:xfrm>
-            <a:off x="6443663" y="4168775"/>
-            <a:ext cx="360362" cy="41275"/>
-          </a:xfrm>
-          <a:custGeom>
-            <a:avLst/>
-            <a:gdLst/>
-            <a:ahLst/>
-            <a:cxnLst>
-              <a:cxn ang="0">
-                <a:pos x="360299" y="0"/>
-              </a:cxn>
-              <a:cxn ang="0">
-                <a:pos x="0" y="41275"/>
-              </a:cxn>
-            </a:cxnLst>
-            <a:rect l="0" t="0" r="r" b="b"/>
-            <a:pathLst>
-              <a:path w="360679" h="41275">
-                <a:moveTo>
-                  <a:pt x="360299" y="0"/>
-                </a:moveTo>
-                <a:lnTo>
-                  <a:pt x="0" y="41275"/>
-                </a:lnTo>
-              </a:path>
-            </a:pathLst>
-          </a:custGeom>
-          <a:noFill/>
-          <a:ln w="9144">
-            <a:solidFill>
-              <a:srgbClr val="000000"/>
-            </a:solidFill>
-            <a:round/>
-            <a:headEnd/>
-            <a:tailEnd/>
-          </a:ln>
-        </p:spPr>
-        <p:txBody>
-          <a:bodyPr lIns="0" tIns="0" rIns="0" bIns="0"/>
-          <a:lstStyle/>
-          <a:p>
-            <a:endParaRPr lang="th-TH"/>
-          </a:p>
-        </p:txBody>
-      </p:sp>
-      <p:sp>
-        <p:nvSpPr>
-          <p:cNvPr id="15396" name="object 37"/>
-          <p:cNvSpPr>
-            <a:spLocks/>
-          </p:cNvSpPr>
-          <p:nvPr/>
-        </p:nvSpPr>
-        <p:spPr bwMode="auto">
-          <a:xfrm>
-            <a:off x="5075238" y="4210050"/>
-            <a:ext cx="865187" cy="504825"/>
-          </a:xfrm>
-          <a:custGeom>
-            <a:avLst/>
-            <a:gdLst/>
-            <a:ahLst/>
-            <a:cxnLst>
-              <a:cxn ang="0">
-                <a:pos x="865124" y="0"/>
-              </a:cxn>
-              <a:cxn ang="0">
-                <a:pos x="0" y="504825"/>
-              </a:cxn>
-            </a:cxnLst>
-            <a:rect l="0" t="0" r="r" b="b"/>
-            <a:pathLst>
-              <a:path w="865504" h="504825">
-                <a:moveTo>
-                  <a:pt x="865124" y="0"/>
-                </a:moveTo>
-                <a:lnTo>
-                  <a:pt x="0" y="504825"/>
-                </a:lnTo>
-              </a:path>
-            </a:pathLst>
-          </a:custGeom>
-          <a:noFill/>
-          <a:ln w="9144">
-            <a:solidFill>
-              <a:srgbClr val="000000"/>
-            </a:solidFill>
-            <a:round/>
-            <a:headEnd/>
-            <a:tailEnd/>
-          </a:ln>
-        </p:spPr>
-        <p:txBody>
-          <a:bodyPr lIns="0" tIns="0" rIns="0" bIns="0"/>
-          <a:lstStyle/>
-          <a:p>
-            <a:endParaRPr lang="th-TH"/>
-          </a:p>
-        </p:txBody>
-      </p:sp>
-      <p:sp>
-        <p:nvSpPr>
-          <p:cNvPr id="15397" name="object 38"/>
-          <p:cNvSpPr>
-            <a:spLocks noChangeArrowheads="1"/>
-          </p:cNvSpPr>
-          <p:nvPr/>
-        </p:nvSpPr>
-        <p:spPr bwMode="auto">
-          <a:xfrm>
-            <a:off x="7092950" y="1484313"/>
-            <a:ext cx="1504950" cy="895350"/>
           </a:xfrm>
           <a:prstGeom prst="rect">
             <a:avLst/>
@@ -33373,6 +33086,840 @@
       </p:sp>
       <p:sp>
         <p:nvSpPr>
+          <p:cNvPr id="15382" name="object 23"/>
+          <p:cNvSpPr>
+            <a:spLocks/>
+          </p:cNvSpPr>
+          <p:nvPr/>
+        </p:nvSpPr>
+        <p:spPr bwMode="auto">
+          <a:xfrm>
+            <a:off x="2914650" y="3562350"/>
+            <a:ext cx="434975" cy="288925"/>
+          </a:xfrm>
+          <a:custGeom>
+            <a:avLst/>
+            <a:gdLst/>
+            <a:ahLst/>
+            <a:cxnLst>
+              <a:cxn ang="0">
+                <a:pos x="0" y="0"/>
+              </a:cxn>
+              <a:cxn ang="0">
+                <a:pos x="433450" y="288925"/>
+              </a:cxn>
+            </a:cxnLst>
+            <a:rect l="0" t="0" r="r" b="b"/>
+            <a:pathLst>
+              <a:path w="433704" h="288925">
+                <a:moveTo>
+                  <a:pt x="0" y="0"/>
+                </a:moveTo>
+                <a:lnTo>
+                  <a:pt x="433450" y="288925"/>
+                </a:lnTo>
+              </a:path>
+            </a:pathLst>
+          </a:custGeom>
+          <a:noFill/>
+          <a:ln w="9144">
+            <a:solidFill>
+              <a:srgbClr val="000000"/>
+            </a:solidFill>
+            <a:round/>
+            <a:headEnd/>
+            <a:tailEnd/>
+          </a:ln>
+        </p:spPr>
+        <p:txBody>
+          <a:bodyPr lIns="0" tIns="0" rIns="0" bIns="0"/>
+          <a:lstStyle/>
+          <a:p>
+            <a:endParaRPr lang="th-TH"/>
+          </a:p>
+        </p:txBody>
+      </p:sp>
+      <p:sp>
+        <p:nvSpPr>
+          <p:cNvPr id="15383" name="object 24"/>
+          <p:cNvSpPr>
+            <a:spLocks noChangeArrowheads="1"/>
+          </p:cNvSpPr>
+          <p:nvPr/>
+        </p:nvSpPr>
+        <p:spPr bwMode="auto">
+          <a:xfrm>
+            <a:off x="4572000" y="3860800"/>
+            <a:ext cx="503238" cy="265113"/>
+          </a:xfrm>
+          <a:prstGeom prst="rect">
+            <a:avLst/>
+          </a:prstGeom>
+          <a:blipFill dpi="0" rotWithShape="1">
+            <a:blip r:embed="rId4"/>
+            <a:srcRect/>
+            <a:stretch>
+              <a:fillRect/>
+            </a:stretch>
+          </a:blipFill>
+          <a:ln w="9525">
+            <a:noFill/>
+            <a:miter lim="800000"/>
+            <a:headEnd/>
+            <a:tailEnd/>
+          </a:ln>
+        </p:spPr>
+        <p:txBody>
+          <a:bodyPr lIns="0" tIns="0" rIns="0" bIns="0"/>
+          <a:lstStyle/>
+          <a:p>
+            <a:endParaRPr lang="th-TH">
+              <a:latin typeface="Calibri" pitchFamily="34" charset="0"/>
+              <a:cs typeface="Cordia New" pitchFamily="34" charset="-34"/>
+            </a:endParaRPr>
+          </a:p>
+        </p:txBody>
+      </p:sp>
+      <p:sp>
+        <p:nvSpPr>
+          <p:cNvPr id="15384" name="object 25"/>
+          <p:cNvSpPr>
+            <a:spLocks noChangeArrowheads="1"/>
+          </p:cNvSpPr>
+          <p:nvPr/>
+        </p:nvSpPr>
+        <p:spPr bwMode="auto">
+          <a:xfrm>
+            <a:off x="4572000" y="4581525"/>
+            <a:ext cx="503238" cy="265113"/>
+          </a:xfrm>
+          <a:prstGeom prst="rect">
+            <a:avLst/>
+          </a:prstGeom>
+          <a:blipFill dpi="0" rotWithShape="1">
+            <a:blip r:embed="rId4"/>
+            <a:srcRect/>
+            <a:stretch>
+              <a:fillRect/>
+            </a:stretch>
+          </a:blipFill>
+          <a:ln w="9525">
+            <a:noFill/>
+            <a:miter lim="800000"/>
+            <a:headEnd/>
+            <a:tailEnd/>
+          </a:ln>
+        </p:spPr>
+        <p:txBody>
+          <a:bodyPr lIns="0" tIns="0" rIns="0" bIns="0"/>
+          <a:lstStyle/>
+          <a:p>
+            <a:endParaRPr lang="th-TH">
+              <a:latin typeface="Calibri" pitchFamily="34" charset="0"/>
+              <a:cs typeface="Cordia New" pitchFamily="34" charset="-34"/>
+            </a:endParaRPr>
+          </a:p>
+        </p:txBody>
+      </p:sp>
+      <p:sp>
+        <p:nvSpPr>
+          <p:cNvPr id="15385" name="object 26"/>
+          <p:cNvSpPr>
+            <a:spLocks noChangeArrowheads="1"/>
+          </p:cNvSpPr>
+          <p:nvPr/>
+        </p:nvSpPr>
+        <p:spPr bwMode="auto">
+          <a:xfrm>
+            <a:off x="5580063" y="2492375"/>
+            <a:ext cx="503237" cy="265113"/>
+          </a:xfrm>
+          <a:prstGeom prst="rect">
+            <a:avLst/>
+          </a:prstGeom>
+          <a:blipFill dpi="0" rotWithShape="1">
+            <a:blip r:embed="rId7"/>
+            <a:srcRect/>
+            <a:stretch>
+              <a:fillRect/>
+            </a:stretch>
+          </a:blipFill>
+          <a:ln w="9525">
+            <a:noFill/>
+            <a:miter lim="800000"/>
+            <a:headEnd/>
+            <a:tailEnd/>
+          </a:ln>
+        </p:spPr>
+        <p:txBody>
+          <a:bodyPr lIns="0" tIns="0" rIns="0" bIns="0"/>
+          <a:lstStyle/>
+          <a:p>
+            <a:endParaRPr lang="th-TH">
+              <a:latin typeface="Calibri" pitchFamily="34" charset="0"/>
+              <a:cs typeface="Cordia New" pitchFamily="34" charset="-34"/>
+            </a:endParaRPr>
+          </a:p>
+        </p:txBody>
+      </p:sp>
+      <p:sp>
+        <p:nvSpPr>
+          <p:cNvPr id="15386" name="object 27"/>
+          <p:cNvSpPr>
+            <a:spLocks noChangeArrowheads="1"/>
+          </p:cNvSpPr>
+          <p:nvPr/>
+        </p:nvSpPr>
+        <p:spPr bwMode="auto">
+          <a:xfrm>
+            <a:off x="2843213" y="4292600"/>
+            <a:ext cx="503237" cy="265113"/>
+          </a:xfrm>
+          <a:prstGeom prst="rect">
+            <a:avLst/>
+          </a:prstGeom>
+          <a:blipFill dpi="0" rotWithShape="1">
+            <a:blip r:embed="rId7"/>
+            <a:srcRect/>
+            <a:stretch>
+              <a:fillRect/>
+            </a:stretch>
+          </a:blipFill>
+          <a:ln w="9525">
+            <a:noFill/>
+            <a:miter lim="800000"/>
+            <a:headEnd/>
+            <a:tailEnd/>
+          </a:ln>
+        </p:spPr>
+        <p:txBody>
+          <a:bodyPr lIns="0" tIns="0" rIns="0" bIns="0"/>
+          <a:lstStyle/>
+          <a:p>
+            <a:endParaRPr lang="th-TH">
+              <a:latin typeface="Calibri" pitchFamily="34" charset="0"/>
+              <a:cs typeface="Cordia New" pitchFamily="34" charset="-34"/>
+            </a:endParaRPr>
+          </a:p>
+        </p:txBody>
+      </p:sp>
+      <p:sp>
+        <p:nvSpPr>
+          <p:cNvPr id="15387" name="object 28"/>
+          <p:cNvSpPr>
+            <a:spLocks/>
+          </p:cNvSpPr>
+          <p:nvPr/>
+        </p:nvSpPr>
+        <p:spPr bwMode="auto">
+          <a:xfrm>
+            <a:off x="3095625" y="4557713"/>
+            <a:ext cx="1476375" cy="158750"/>
+          </a:xfrm>
+          <a:custGeom>
+            <a:avLst/>
+            <a:gdLst/>
+            <a:ahLst/>
+            <a:cxnLst>
+              <a:cxn ang="0">
+                <a:pos x="0" y="0"/>
+              </a:cxn>
+              <a:cxn ang="0">
+                <a:pos x="1476375" y="158750"/>
+              </a:cxn>
+            </a:cxnLst>
+            <a:rect l="0" t="0" r="r" b="b"/>
+            <a:pathLst>
+              <a:path w="1476375" h="158750">
+                <a:moveTo>
+                  <a:pt x="0" y="0"/>
+                </a:moveTo>
+                <a:lnTo>
+                  <a:pt x="1476375" y="158750"/>
+                </a:lnTo>
+              </a:path>
+            </a:pathLst>
+          </a:custGeom>
+          <a:noFill/>
+          <a:ln w="9144">
+            <a:solidFill>
+              <a:srgbClr val="000000"/>
+            </a:solidFill>
+            <a:round/>
+            <a:headEnd/>
+            <a:tailEnd/>
+          </a:ln>
+        </p:spPr>
+        <p:txBody>
+          <a:bodyPr lIns="0" tIns="0" rIns="0" bIns="0"/>
+          <a:lstStyle/>
+          <a:p>
+            <a:endParaRPr lang="th-TH"/>
+          </a:p>
+        </p:txBody>
+      </p:sp>
+      <p:sp>
+        <p:nvSpPr>
+          <p:cNvPr id="15388" name="object 29"/>
+          <p:cNvSpPr>
+            <a:spLocks/>
+          </p:cNvSpPr>
+          <p:nvPr/>
+        </p:nvSpPr>
+        <p:spPr bwMode="auto">
+          <a:xfrm>
+            <a:off x="3851275" y="3849688"/>
+            <a:ext cx="720725" cy="144462"/>
+          </a:xfrm>
+          <a:custGeom>
+            <a:avLst/>
+            <a:gdLst/>
+            <a:ahLst/>
+            <a:cxnLst>
+              <a:cxn ang="0">
+                <a:pos x="0" y="0"/>
+              </a:cxn>
+              <a:cxn ang="0">
+                <a:pos x="720725" y="144399"/>
+              </a:cxn>
+            </a:cxnLst>
+            <a:rect l="0" t="0" r="r" b="b"/>
+            <a:pathLst>
+              <a:path w="720725" h="144779">
+                <a:moveTo>
+                  <a:pt x="0" y="0"/>
+                </a:moveTo>
+                <a:lnTo>
+                  <a:pt x="720725" y="144399"/>
+                </a:lnTo>
+              </a:path>
+            </a:pathLst>
+          </a:custGeom>
+          <a:noFill/>
+          <a:ln w="9144">
+            <a:solidFill>
+              <a:srgbClr val="000000"/>
+            </a:solidFill>
+            <a:round/>
+            <a:headEnd/>
+            <a:tailEnd/>
+          </a:ln>
+        </p:spPr>
+        <p:txBody>
+          <a:bodyPr lIns="0" tIns="0" rIns="0" bIns="0"/>
+          <a:lstStyle/>
+          <a:p>
+            <a:endParaRPr lang="th-TH"/>
+          </a:p>
+        </p:txBody>
+      </p:sp>
+      <p:sp>
+        <p:nvSpPr>
+          <p:cNvPr id="15389" name="object 30"/>
+          <p:cNvSpPr>
+            <a:spLocks/>
+          </p:cNvSpPr>
+          <p:nvPr/>
+        </p:nvSpPr>
+        <p:spPr bwMode="auto">
+          <a:xfrm>
+            <a:off x="4824413" y="4125913"/>
+            <a:ext cx="3175" cy="455612"/>
+          </a:xfrm>
+          <a:custGeom>
+            <a:avLst/>
+            <a:gdLst/>
+            <a:ahLst/>
+            <a:cxnLst>
+              <a:cxn ang="0">
+                <a:pos x="0" y="455548"/>
+              </a:cxn>
+              <a:cxn ang="0">
+                <a:pos x="3175" y="0"/>
+              </a:cxn>
+            </a:cxnLst>
+            <a:rect l="0" t="0" r="r" b="b"/>
+            <a:pathLst>
+              <a:path w="3175" h="455929">
+                <a:moveTo>
+                  <a:pt x="0" y="455548"/>
+                </a:moveTo>
+                <a:lnTo>
+                  <a:pt x="3175" y="0"/>
+                </a:lnTo>
+              </a:path>
+            </a:pathLst>
+          </a:custGeom>
+          <a:noFill/>
+          <a:ln w="9144">
+            <a:solidFill>
+              <a:srgbClr val="000000"/>
+            </a:solidFill>
+            <a:round/>
+            <a:headEnd/>
+            <a:tailEnd/>
+          </a:ln>
+        </p:spPr>
+        <p:txBody>
+          <a:bodyPr lIns="0" tIns="0" rIns="0" bIns="0"/>
+          <a:lstStyle/>
+          <a:p>
+            <a:endParaRPr lang="th-TH"/>
+          </a:p>
+        </p:txBody>
+      </p:sp>
+      <p:sp>
+        <p:nvSpPr>
+          <p:cNvPr id="15390" name="object 31"/>
+          <p:cNvSpPr>
+            <a:spLocks/>
+          </p:cNvSpPr>
+          <p:nvPr/>
+        </p:nvSpPr>
+        <p:spPr bwMode="auto">
+          <a:xfrm>
+            <a:off x="3744913" y="3046413"/>
+            <a:ext cx="1079500" cy="814387"/>
+          </a:xfrm>
+          <a:custGeom>
+            <a:avLst/>
+            <a:gdLst/>
+            <a:ahLst/>
+            <a:cxnLst>
+              <a:cxn ang="0">
+                <a:pos x="1079500" y="814324"/>
+              </a:cxn>
+              <a:cxn ang="0">
+                <a:pos x="0" y="0"/>
+              </a:cxn>
+            </a:cxnLst>
+            <a:rect l="0" t="0" r="r" b="b"/>
+            <a:pathLst>
+              <a:path w="1079500" h="814704">
+                <a:moveTo>
+                  <a:pt x="1079500" y="814324"/>
+                </a:moveTo>
+                <a:lnTo>
+                  <a:pt x="0" y="0"/>
+                </a:lnTo>
+              </a:path>
+            </a:pathLst>
+          </a:custGeom>
+          <a:noFill/>
+          <a:ln w="9144">
+            <a:solidFill>
+              <a:srgbClr val="000000"/>
+            </a:solidFill>
+            <a:round/>
+            <a:headEnd/>
+            <a:tailEnd/>
+          </a:ln>
+        </p:spPr>
+        <p:txBody>
+          <a:bodyPr lIns="0" tIns="0" rIns="0" bIns="0"/>
+          <a:lstStyle/>
+          <a:p>
+            <a:endParaRPr lang="th-TH"/>
+          </a:p>
+        </p:txBody>
+      </p:sp>
+      <p:sp>
+        <p:nvSpPr>
+          <p:cNvPr id="15391" name="object 32"/>
+          <p:cNvSpPr>
+            <a:spLocks/>
+          </p:cNvSpPr>
+          <p:nvPr/>
+        </p:nvSpPr>
+        <p:spPr bwMode="auto">
+          <a:xfrm>
+            <a:off x="4824413" y="2757488"/>
+            <a:ext cx="1009650" cy="1103312"/>
+          </a:xfrm>
+          <a:custGeom>
+            <a:avLst/>
+            <a:gdLst/>
+            <a:ahLst/>
+            <a:cxnLst>
+              <a:cxn ang="0">
+                <a:pos x="0" y="1103249"/>
+              </a:cxn>
+              <a:cxn ang="0">
+                <a:pos x="1007999" y="0"/>
+              </a:cxn>
+            </a:cxnLst>
+            <a:rect l="0" t="0" r="r" b="b"/>
+            <a:pathLst>
+              <a:path w="1008379" h="1103629">
+                <a:moveTo>
+                  <a:pt x="0" y="1103249"/>
+                </a:moveTo>
+                <a:lnTo>
+                  <a:pt x="1007999" y="0"/>
+                </a:lnTo>
+              </a:path>
+            </a:pathLst>
+          </a:custGeom>
+          <a:noFill/>
+          <a:ln w="9144">
+            <a:solidFill>
+              <a:srgbClr val="000000"/>
+            </a:solidFill>
+            <a:round/>
+            <a:headEnd/>
+            <a:tailEnd/>
+          </a:ln>
+        </p:spPr>
+        <p:txBody>
+          <a:bodyPr lIns="0" tIns="0" rIns="0" bIns="0"/>
+          <a:lstStyle/>
+          <a:p>
+            <a:endParaRPr lang="th-TH"/>
+          </a:p>
+        </p:txBody>
+      </p:sp>
+      <p:sp>
+        <p:nvSpPr>
+          <p:cNvPr id="15392" name="object 33"/>
+          <p:cNvSpPr>
+            <a:spLocks/>
+          </p:cNvSpPr>
+          <p:nvPr/>
+        </p:nvSpPr>
+        <p:spPr bwMode="auto">
+          <a:xfrm>
+            <a:off x="6083300" y="1931988"/>
+            <a:ext cx="1012825" cy="693737"/>
+          </a:xfrm>
+          <a:custGeom>
+            <a:avLst/>
+            <a:gdLst/>
+            <a:ahLst/>
+            <a:cxnLst>
+              <a:cxn ang="0">
+                <a:pos x="0" y="693673"/>
+              </a:cxn>
+              <a:cxn ang="0">
+                <a:pos x="1011173" y="0"/>
+              </a:cxn>
+            </a:cxnLst>
+            <a:rect l="0" t="0" r="r" b="b"/>
+            <a:pathLst>
+              <a:path w="1011554" h="694055">
+                <a:moveTo>
+                  <a:pt x="0" y="693673"/>
+                </a:moveTo>
+                <a:lnTo>
+                  <a:pt x="1011173" y="0"/>
+                </a:lnTo>
+              </a:path>
+            </a:pathLst>
+          </a:custGeom>
+          <a:noFill/>
+          <a:ln w="9144">
+            <a:solidFill>
+              <a:srgbClr val="000000"/>
+            </a:solidFill>
+            <a:round/>
+            <a:headEnd/>
+            <a:tailEnd/>
+          </a:ln>
+        </p:spPr>
+        <p:txBody>
+          <a:bodyPr lIns="0" tIns="0" rIns="0" bIns="0"/>
+          <a:lstStyle/>
+          <a:p>
+            <a:endParaRPr lang="th-TH"/>
+          </a:p>
+        </p:txBody>
+      </p:sp>
+      <p:sp>
+        <p:nvSpPr>
+          <p:cNvPr id="15393" name="object 34"/>
+          <p:cNvSpPr>
+            <a:spLocks/>
+          </p:cNvSpPr>
+          <p:nvPr/>
+        </p:nvSpPr>
+        <p:spPr bwMode="auto">
+          <a:xfrm>
+            <a:off x="7004050" y="3303588"/>
+            <a:ext cx="71438" cy="628650"/>
+          </a:xfrm>
+          <a:custGeom>
+            <a:avLst/>
+            <a:gdLst/>
+            <a:ahLst/>
+            <a:cxnLst>
+              <a:cxn ang="0">
+                <a:pos x="0" y="628649"/>
+              </a:cxn>
+              <a:cxn ang="0">
+                <a:pos x="35687" y="628649"/>
+              </a:cxn>
+              <a:cxn ang="0">
+                <a:pos x="35687" y="0"/>
+              </a:cxn>
+              <a:cxn ang="0">
+                <a:pos x="71500" y="0"/>
+              </a:cxn>
+            </a:cxnLst>
+            <a:rect l="0" t="0" r="r" b="b"/>
+            <a:pathLst>
+              <a:path w="71754" h="628650">
+                <a:moveTo>
+                  <a:pt x="0" y="628649"/>
+                </a:moveTo>
+                <a:lnTo>
+                  <a:pt x="35687" y="628649"/>
+                </a:lnTo>
+                <a:lnTo>
+                  <a:pt x="35687" y="0"/>
+                </a:lnTo>
+                <a:lnTo>
+                  <a:pt x="71500" y="0"/>
+                </a:lnTo>
+              </a:path>
+            </a:pathLst>
+          </a:custGeom>
+          <a:noFill/>
+          <a:ln w="9144">
+            <a:solidFill>
+              <a:srgbClr val="000000"/>
+            </a:solidFill>
+            <a:round/>
+            <a:headEnd/>
+            <a:tailEnd/>
+          </a:ln>
+        </p:spPr>
+        <p:txBody>
+          <a:bodyPr lIns="0" tIns="0" rIns="0" bIns="0"/>
+          <a:lstStyle/>
+          <a:p>
+            <a:endParaRPr lang="th-TH"/>
+          </a:p>
+        </p:txBody>
+      </p:sp>
+      <p:sp>
+        <p:nvSpPr>
+          <p:cNvPr id="15394" name="object 35"/>
+          <p:cNvSpPr>
+            <a:spLocks/>
+          </p:cNvSpPr>
+          <p:nvPr/>
+        </p:nvSpPr>
+        <p:spPr bwMode="auto">
+          <a:xfrm>
+            <a:off x="7202488" y="4168775"/>
+            <a:ext cx="106362" cy="233363"/>
+          </a:xfrm>
+          <a:custGeom>
+            <a:avLst/>
+            <a:gdLst/>
+            <a:ahLst/>
+            <a:cxnLst>
+              <a:cxn ang="0">
+                <a:pos x="0" y="0"/>
+              </a:cxn>
+              <a:cxn ang="0">
+                <a:pos x="53212" y="0"/>
+              </a:cxn>
+              <a:cxn ang="0">
+                <a:pos x="53212" y="233426"/>
+              </a:cxn>
+              <a:cxn ang="0">
+                <a:pos x="106299" y="233426"/>
+              </a:cxn>
+            </a:cxnLst>
+            <a:rect l="0" t="0" r="r" b="b"/>
+            <a:pathLst>
+              <a:path w="106679" h="233679">
+                <a:moveTo>
+                  <a:pt x="0" y="0"/>
+                </a:moveTo>
+                <a:lnTo>
+                  <a:pt x="53212" y="0"/>
+                </a:lnTo>
+                <a:lnTo>
+                  <a:pt x="53212" y="233426"/>
+                </a:lnTo>
+                <a:lnTo>
+                  <a:pt x="106299" y="233426"/>
+                </a:lnTo>
+              </a:path>
+            </a:pathLst>
+          </a:custGeom>
+          <a:noFill/>
+          <a:ln w="9144">
+            <a:solidFill>
+              <a:srgbClr val="000000"/>
+            </a:solidFill>
+            <a:round/>
+            <a:headEnd/>
+            <a:tailEnd/>
+          </a:ln>
+        </p:spPr>
+        <p:txBody>
+          <a:bodyPr lIns="0" tIns="0" rIns="0" bIns="0"/>
+          <a:lstStyle/>
+          <a:p>
+            <a:endParaRPr lang="th-TH"/>
+          </a:p>
+        </p:txBody>
+      </p:sp>
+      <p:sp>
+        <p:nvSpPr>
+          <p:cNvPr id="15395" name="object 36"/>
+          <p:cNvSpPr>
+            <a:spLocks/>
+          </p:cNvSpPr>
+          <p:nvPr/>
+        </p:nvSpPr>
+        <p:spPr bwMode="auto">
+          <a:xfrm>
+            <a:off x="6443663" y="4168775"/>
+            <a:ext cx="360362" cy="41275"/>
+          </a:xfrm>
+          <a:custGeom>
+            <a:avLst/>
+            <a:gdLst/>
+            <a:ahLst/>
+            <a:cxnLst>
+              <a:cxn ang="0">
+                <a:pos x="360299" y="0"/>
+              </a:cxn>
+              <a:cxn ang="0">
+                <a:pos x="0" y="41275"/>
+              </a:cxn>
+            </a:cxnLst>
+            <a:rect l="0" t="0" r="r" b="b"/>
+            <a:pathLst>
+              <a:path w="360679" h="41275">
+                <a:moveTo>
+                  <a:pt x="360299" y="0"/>
+                </a:moveTo>
+                <a:lnTo>
+                  <a:pt x="0" y="41275"/>
+                </a:lnTo>
+              </a:path>
+            </a:pathLst>
+          </a:custGeom>
+          <a:noFill/>
+          <a:ln w="9144">
+            <a:solidFill>
+              <a:srgbClr val="000000"/>
+            </a:solidFill>
+            <a:round/>
+            <a:headEnd/>
+            <a:tailEnd/>
+          </a:ln>
+        </p:spPr>
+        <p:txBody>
+          <a:bodyPr lIns="0" tIns="0" rIns="0" bIns="0"/>
+          <a:lstStyle/>
+          <a:p>
+            <a:endParaRPr lang="th-TH"/>
+          </a:p>
+        </p:txBody>
+      </p:sp>
+      <p:sp>
+        <p:nvSpPr>
+          <p:cNvPr id="15396" name="object 37"/>
+          <p:cNvSpPr>
+            <a:spLocks/>
+          </p:cNvSpPr>
+          <p:nvPr/>
+        </p:nvSpPr>
+        <p:spPr bwMode="auto">
+          <a:xfrm>
+            <a:off x="5075238" y="4210050"/>
+            <a:ext cx="865187" cy="504825"/>
+          </a:xfrm>
+          <a:custGeom>
+            <a:avLst/>
+            <a:gdLst/>
+            <a:ahLst/>
+            <a:cxnLst>
+              <a:cxn ang="0">
+                <a:pos x="865124" y="0"/>
+              </a:cxn>
+              <a:cxn ang="0">
+                <a:pos x="0" y="504825"/>
+              </a:cxn>
+            </a:cxnLst>
+            <a:rect l="0" t="0" r="r" b="b"/>
+            <a:pathLst>
+              <a:path w="865504" h="504825">
+                <a:moveTo>
+                  <a:pt x="865124" y="0"/>
+                </a:moveTo>
+                <a:lnTo>
+                  <a:pt x="0" y="504825"/>
+                </a:lnTo>
+              </a:path>
+            </a:pathLst>
+          </a:custGeom>
+          <a:noFill/>
+          <a:ln w="9144">
+            <a:solidFill>
+              <a:srgbClr val="000000"/>
+            </a:solidFill>
+            <a:round/>
+            <a:headEnd/>
+            <a:tailEnd/>
+          </a:ln>
+        </p:spPr>
+        <p:txBody>
+          <a:bodyPr lIns="0" tIns="0" rIns="0" bIns="0"/>
+          <a:lstStyle/>
+          <a:p>
+            <a:endParaRPr lang="th-TH"/>
+          </a:p>
+        </p:txBody>
+      </p:sp>
+      <p:sp>
+        <p:nvSpPr>
+          <p:cNvPr id="15397" name="object 38"/>
+          <p:cNvSpPr>
+            <a:spLocks noChangeArrowheads="1"/>
+          </p:cNvSpPr>
+          <p:nvPr/>
+        </p:nvSpPr>
+        <p:spPr bwMode="auto">
+          <a:xfrm>
+            <a:off x="7092950" y="1484313"/>
+            <a:ext cx="1504950" cy="895350"/>
+          </a:xfrm>
+          <a:prstGeom prst="rect">
+            <a:avLst/>
+          </a:prstGeom>
+          <a:blipFill dpi="0" rotWithShape="1">
+            <a:blip r:embed="rId8"/>
+            <a:srcRect/>
+            <a:stretch>
+              <a:fillRect/>
+            </a:stretch>
+          </a:blipFill>
+          <a:ln w="9525">
+            <a:noFill/>
+            <a:miter lim="800000"/>
+            <a:headEnd/>
+            <a:tailEnd/>
+          </a:ln>
+        </p:spPr>
+        <p:txBody>
+          <a:bodyPr lIns="0" tIns="0" rIns="0" bIns="0"/>
+          <a:lstStyle/>
+          <a:p>
+            <a:endParaRPr lang="th-TH">
+              <a:latin typeface="Calibri" pitchFamily="34" charset="0"/>
+              <a:cs typeface="Cordia New" pitchFamily="34" charset="-34"/>
+            </a:endParaRPr>
+          </a:p>
+        </p:txBody>
+      </p:sp>
+      <p:sp>
+        <p:nvSpPr>
           <p:cNvPr id="15398" name="object 39"/>
           <p:cNvSpPr>
             <a:spLocks noChangeArrowheads="1"/>
@@ -33388,7 +33935,7 @@
             <a:avLst/>
           </a:prstGeom>
           <a:blipFill dpi="0" rotWithShape="1">
-            <a:blip r:embed="rId7"/>
+            <a:blip r:embed="rId8"/>
             <a:srcRect/>
             <a:stretch>
               <a:fillRect/>
@@ -36597,6 +37144,13 @@
   <p:clrMapOvr>
     <a:masterClrMapping/>
   </p:clrMapOvr>
+  <p:timing>
+    <p:tnLst>
+      <p:par>
+        <p:cTn id="1" dur="indefinite" restart="never" nodeType="tmRoot"/>
+      </p:par>
+    </p:tnLst>
+  </p:timing>
 </p:sld>
 </file>
 

--- a/networkStudy/2015-10-11-routing-ii-isis.pptx
+++ b/networkStudy/2015-10-11-routing-ii-isis.pptx
@@ -279,7 +279,7 @@
             <a:fld id="{E5A9A48A-A11C-4B88-B93C-F5E9836D71AA}" type="datetimeFigureOut">
               <a:rPr lang="th-TH"/>
               <a:pPr/>
-              <a:t>13/05/60</a:t>
+              <a:t>19/05/60</a:t>
             </a:fld>
             <a:endParaRPr lang="th-TH"/>
           </a:p>
@@ -852,21 +852,185 @@
           <a:lstStyle/>
           <a:p>
             <a:r>
-              <a:rPr lang="th-TH"/>
+              <a:rPr lang="th-TH" dirty="0"/>
               <a:t>ช่วงนี้หลุดๆนะ ในข้อสอบให้มาแล้วให้เขียน</a:t>
             </a:r>
             <a:r>
-              <a:rPr lang="en-US"/>
+              <a:rPr lang="en-US" dirty="0"/>
               <a:t> routing table </a:t>
             </a:r>
             <a:r>
-              <a:rPr lang="th-TH"/>
-              <a:t>หรือให้วาดรูป</a:t>
-            </a:r>
+              <a:rPr lang="th-TH" dirty="0"/>
+              <a:t>หรือให้วาด</a:t>
+            </a:r>
+            <a:r>
+              <a:rPr lang="th-TH" dirty="0" smtClean="0"/>
+              <a:t>รูป</a:t>
+            </a:r>
+            <a:endParaRPr lang="en-US" dirty="0" smtClean="0"/>
+          </a:p>
+          <a:p>
+            <a:r>
+              <a:rPr lang="th-TH" dirty="0" smtClean="0"/>
+              <a:t>จะได้เป็น</a:t>
+            </a:r>
+            <a:r>
+              <a:rPr lang="th-TH" baseline="0" dirty="0" smtClean="0"/>
+              <a:t> </a:t>
+            </a:r>
+            <a:r>
+              <a:rPr lang="en-US" baseline="0" dirty="0" smtClean="0"/>
+              <a:t>I L1 </a:t>
+            </a:r>
+            <a:r>
+              <a:rPr lang="th-TH" baseline="0" dirty="0" smtClean="0"/>
+              <a:t>หรือ</a:t>
+            </a:r>
+            <a:r>
+              <a:rPr lang="en-US" baseline="0" dirty="0" smtClean="0"/>
+              <a:t> L2</a:t>
+            </a:r>
+            <a:r>
+              <a:rPr lang="th-TH" baseline="0" dirty="0" smtClean="0"/>
+              <a:t> ขึ้นมา</a:t>
+            </a:r>
+            <a:endParaRPr lang="th-TH" dirty="0"/>
           </a:p>
         </p:txBody>
       </p:sp>
     </p:spTree>
+  </p:cSld>
+  <p:clrMapOvr>
+    <a:masterClrMapping/>
+  </p:clrMapOvr>
+</p:notes>
+</file>
+
+<file path=ppt/notesSlides/notesSlide13.xml><?xml version="1.0" encoding="utf-8"?>
+<p:notes xmlns:a="http://schemas.openxmlformats.org/drawingml/2006/main" xmlns:r="http://schemas.openxmlformats.org/officeDocument/2006/relationships" xmlns:p="http://schemas.openxmlformats.org/presentationml/2006/main">
+  <p:cSld>
+    <p:spTree>
+      <p:nvGrpSpPr>
+        <p:cNvPr id="1" name=""/>
+        <p:cNvGrpSpPr/>
+        <p:nvPr/>
+      </p:nvGrpSpPr>
+      <p:grpSpPr>
+        <a:xfrm>
+          <a:off x="0" y="0"/>
+          <a:ext cx="0" cy="0"/>
+          <a:chOff x="0" y="0"/>
+          <a:chExt cx="0" cy="0"/>
+        </a:xfrm>
+      </p:grpSpPr>
+      <p:sp>
+        <p:nvSpPr>
+          <p:cNvPr id="2" name="Slide Image Placeholder 1"/>
+          <p:cNvSpPr>
+            <a:spLocks noGrp="1" noRot="1" noChangeAspect="1"/>
+          </p:cNvSpPr>
+          <p:nvPr>
+            <p:ph type="sldImg"/>
+          </p:nvPr>
+        </p:nvSpPr>
+        <p:spPr/>
+      </p:sp>
+      <p:sp>
+        <p:nvSpPr>
+          <p:cNvPr id="3" name="Notes Placeholder 2"/>
+          <p:cNvSpPr>
+            <a:spLocks noGrp="1"/>
+          </p:cNvSpPr>
+          <p:nvPr>
+            <p:ph type="body" idx="1"/>
+          </p:nvPr>
+        </p:nvSpPr>
+        <p:spPr/>
+        <p:txBody>
+          <a:bodyPr/>
+          <a:lstStyle/>
+          <a:p>
+            <a:r>
+              <a:rPr lang="th-TH" dirty="0" smtClean="0"/>
+              <a:t>การ</a:t>
+            </a:r>
+            <a:r>
+              <a:rPr lang="en-US" dirty="0" smtClean="0"/>
+              <a:t>set default</a:t>
+            </a:r>
+            <a:r>
+              <a:rPr lang="en-US" baseline="0" dirty="0" smtClean="0"/>
+              <a:t> route </a:t>
+            </a:r>
+            <a:r>
+              <a:rPr lang="th-TH" baseline="0" dirty="0" smtClean="0"/>
+              <a:t>บรรทัดสุดท้ายให้ไปที่</a:t>
+            </a:r>
+            <a:r>
+              <a:rPr lang="en-US" baseline="0" dirty="0" smtClean="0"/>
+              <a:t> 172.16.0.1</a:t>
+            </a:r>
+            <a:endParaRPr lang="th-TH" baseline="0" dirty="0" smtClean="0"/>
+          </a:p>
+          <a:p>
+            <a:r>
+              <a:rPr lang="th-TH" baseline="0" dirty="0" smtClean="0"/>
+              <a:t>ต่อให้มาจาก </a:t>
+            </a:r>
+            <a:r>
+              <a:rPr lang="en-US" baseline="0" dirty="0" smtClean="0"/>
+              <a:t>Area</a:t>
+            </a:r>
+            <a:r>
+              <a:rPr lang="th-TH" baseline="0" dirty="0" smtClean="0"/>
+              <a:t>อื่นแต่ถ้าต้องผ่านใน</a:t>
+            </a:r>
+            <a:r>
+              <a:rPr lang="en-US" baseline="0" dirty="0" smtClean="0"/>
+              <a:t>area</a:t>
+            </a:r>
+            <a:r>
+              <a:rPr lang="th-TH" baseline="0" dirty="0" smtClean="0"/>
+              <a:t>ตัวเองกอ่นก็จะเป็น</a:t>
+            </a:r>
+            <a:r>
+              <a:rPr lang="en-US" baseline="0" smtClean="0"/>
+              <a:t> L1</a:t>
+            </a:r>
+            <a:endParaRPr lang="en-US"/>
+          </a:p>
+        </p:txBody>
+      </p:sp>
+      <p:sp>
+        <p:nvSpPr>
+          <p:cNvPr id="4" name="Slide Number Placeholder 3"/>
+          <p:cNvSpPr>
+            <a:spLocks noGrp="1"/>
+          </p:cNvSpPr>
+          <p:nvPr>
+            <p:ph type="sldNum" sz="quarter" idx="10"/>
+          </p:nvPr>
+        </p:nvSpPr>
+        <p:spPr/>
+        <p:txBody>
+          <a:bodyPr/>
+          <a:lstStyle/>
+          <a:p>
+            <a:fld id="{4A7FB660-91A2-4419-AC9D-3485AC0BDEDD}" type="slidenum">
+              <a:rPr lang="en-US" smtClean="0"/>
+              <a:pPr/>
+              <a:t>23</a:t>
+            </a:fld>
+            <a:endParaRPr lang="th-TH"/>
+          </a:p>
+        </p:txBody>
+      </p:sp>
+    </p:spTree>
+    <p:extLst>
+      <p:ext uri="{BB962C8B-B14F-4D97-AF65-F5344CB8AC3E}">
+        <p14:creationId xmlns:p14="http://schemas.microsoft.com/office/powerpoint/2010/main" val="2944027210"/>
+      </p:ext>
+    </p:extLst>
   </p:cSld>
   <p:clrMapOvr>
     <a:masterClrMapping/>
@@ -1855,7 +2019,7 @@
               <a:pPr>
                 <a:defRPr/>
               </a:pPr>
-              <a:t>5/13/2017</a:t>
+              <a:t>5/19/2017</a:t>
             </a:fld>
             <a:endParaRPr lang="en-US"/>
           </a:p>
@@ -2025,7 +2189,7 @@
               <a:pPr>
                 <a:defRPr/>
               </a:pPr>
-              <a:t>5/13/2017</a:t>
+              <a:t>5/19/2017</a:t>
             </a:fld>
             <a:endParaRPr lang="en-US"/>
           </a:p>
@@ -2228,7 +2392,7 @@
               <a:pPr>
                 <a:defRPr/>
               </a:pPr>
-              <a:t>5/13/2017</a:t>
+              <a:t>5/19/2017</a:t>
             </a:fld>
             <a:endParaRPr lang="en-US"/>
           </a:p>
@@ -2369,7 +2533,7 @@
               <a:pPr>
                 <a:defRPr/>
               </a:pPr>
-              <a:t>5/13/2017</a:t>
+              <a:t>5/19/2017</a:t>
             </a:fld>
             <a:endParaRPr lang="en-US"/>
           </a:p>
@@ -2481,7 +2645,7 @@
               <a:pPr>
                 <a:defRPr/>
               </a:pPr>
-              <a:t>5/13/2017</a:t>
+              <a:t>5/19/2017</a:t>
             </a:fld>
             <a:endParaRPr lang="en-US"/>
           </a:p>
@@ -3071,7 +3235,7 @@
               <a:pPr>
                 <a:defRPr/>
               </a:pPr>
-              <a:t>5/13/2017</a:t>
+              <a:t>5/19/2017</a:t>
             </a:fld>
             <a:endParaRPr lang="en-US"/>
           </a:p>
@@ -15018,7 +15182,7 @@
             <a:avLst/>
           </a:prstGeom>
           <a:blipFill dpi="0" rotWithShape="1">
-            <a:blip r:embed="rId2"/>
+            <a:blip r:embed="rId3"/>
             <a:srcRect/>
             <a:stretch>
               <a:fillRect/>
